--- a/TVCHH/TVCHH 320 - Chúa Jêsus Lâm Phàm.pptx
+++ b/TVCHH/TVCHH 320 - Chúa Jêsus Lâm Phàm.pptx
@@ -216,10 +216,9 @@
           <a:lstStyle/>
           <a:p>
             <a:r>
-              <a:rPr lang="en-US" smtClean="0"/>
+              <a:rPr lang="en-US"/>
               <a:t>Click to edit Master title style</a:t>
             </a:r>
-            <a:endParaRPr lang="en-US"/>
           </a:p>
         </p:txBody>
       </p:sp>
@@ -335,10 +334,9 @@
           </a:lstStyle>
           <a:p>
             <a:r>
-              <a:rPr lang="en-US" smtClean="0"/>
+              <a:rPr lang="en-US"/>
               <a:t>Click to edit Master subtitle style</a:t>
             </a:r>
-            <a:endParaRPr lang="en-US"/>
           </a:p>
         </p:txBody>
       </p:sp>
@@ -369,7 +367,7 @@
               <a:pPr>
                 <a:defRPr/>
               </a:pPr>
-              <a:t>20/01/2015</a:t>
+              <a:t>12/22/19</a:t>
             </a:fld>
             <a:endParaRPr lang="en-US"/>
           </a:p>
@@ -485,10 +483,9 @@
           <a:lstStyle/>
           <a:p>
             <a:r>
-              <a:rPr lang="en-US" smtClean="0"/>
+              <a:rPr lang="en-US"/>
               <a:t>Click to edit Master title style</a:t>
             </a:r>
-            <a:endParaRPr lang="en-US"/>
           </a:p>
         </p:txBody>
       </p:sp>
@@ -604,10 +601,9 @@
           </a:lstStyle>
           <a:p>
             <a:r>
-              <a:rPr lang="en-US" smtClean="0"/>
+              <a:rPr lang="en-US"/>
               <a:t>Click to edit Master subtitle style</a:t>
             </a:r>
-            <a:endParaRPr lang="en-US"/>
           </a:p>
         </p:txBody>
       </p:sp>
@@ -638,7 +634,7 @@
               <a:pPr>
                 <a:defRPr/>
               </a:pPr>
-              <a:t>20/01/2015</a:t>
+              <a:t>12/22/19</a:t>
             </a:fld>
             <a:endParaRPr lang="en-US"/>
           </a:p>
@@ -799,7 +795,7 @@
           <a:p>
             <a:pPr lvl="0"/>
             <a:r>
-              <a:rPr lang="en-US" smtClean="0"/>
+              <a:rPr lang="en-US"/>
               <a:t>Click to edit Master title style</a:t>
             </a:r>
           </a:p>
@@ -857,35 +853,35 @@
           <a:p>
             <a:pPr lvl="0"/>
             <a:r>
-              <a:rPr lang="en-US" smtClean="0"/>
+              <a:rPr lang="en-US"/>
               <a:t>Click to edit Master text styles</a:t>
             </a:r>
           </a:p>
           <a:p>
             <a:pPr lvl="1"/>
             <a:r>
-              <a:rPr lang="en-US" smtClean="0"/>
+              <a:rPr lang="en-US"/>
               <a:t>Second level</a:t>
             </a:r>
           </a:p>
           <a:p>
             <a:pPr lvl="2"/>
             <a:r>
-              <a:rPr lang="en-US" smtClean="0"/>
+              <a:rPr lang="en-US"/>
               <a:t>Third level</a:t>
             </a:r>
           </a:p>
           <a:p>
             <a:pPr lvl="3"/>
             <a:r>
-              <a:rPr lang="en-US" smtClean="0"/>
+              <a:rPr lang="en-US"/>
               <a:t>Fourth level</a:t>
             </a:r>
           </a:p>
           <a:p>
             <a:pPr lvl="4"/>
             <a:r>
-              <a:rPr lang="en-US" smtClean="0"/>
+              <a:rPr lang="en-US"/>
               <a:t>Fifth level</a:t>
             </a:r>
           </a:p>
@@ -939,7 +935,7 @@
               <a:pPr>
                 <a:defRPr/>
               </a:pPr>
-              <a:t>20/01/2015</a:t>
+              <a:t>12/22/19</a:t>
             </a:fld>
             <a:endParaRPr lang="en-US"/>
           </a:p>
@@ -1511,7 +1507,7 @@
           <a:p>
             <a:pPr lvl="0"/>
             <a:r>
-              <a:rPr lang="en-US" smtClean="0"/>
+              <a:rPr lang="en-US"/>
               <a:t>Click to edit Master title style</a:t>
             </a:r>
           </a:p>
@@ -1569,35 +1565,35 @@
           <a:p>
             <a:pPr lvl="0"/>
             <a:r>
-              <a:rPr lang="en-US" smtClean="0"/>
+              <a:rPr lang="en-US"/>
               <a:t>Click to edit Master text styles</a:t>
             </a:r>
           </a:p>
           <a:p>
             <a:pPr lvl="1"/>
             <a:r>
-              <a:rPr lang="en-US" smtClean="0"/>
+              <a:rPr lang="en-US"/>
               <a:t>Second level</a:t>
             </a:r>
           </a:p>
           <a:p>
             <a:pPr lvl="2"/>
             <a:r>
-              <a:rPr lang="en-US" smtClean="0"/>
+              <a:rPr lang="en-US"/>
               <a:t>Third level</a:t>
             </a:r>
           </a:p>
           <a:p>
             <a:pPr lvl="3"/>
             <a:r>
-              <a:rPr lang="en-US" smtClean="0"/>
+              <a:rPr lang="en-US"/>
               <a:t>Fourth level</a:t>
             </a:r>
           </a:p>
           <a:p>
             <a:pPr lvl="4"/>
             <a:r>
-              <a:rPr lang="en-US" smtClean="0"/>
+              <a:rPr lang="en-US"/>
               <a:t>Fifth level</a:t>
             </a:r>
           </a:p>
@@ -1651,7 +1647,7 @@
               <a:pPr>
                 <a:defRPr/>
               </a:pPr>
-              <a:t>20/01/2015</a:t>
+              <a:t>12/22/19</a:t>
             </a:fld>
             <a:endParaRPr lang="en-US"/>
           </a:p>
@@ -2254,7 +2250,7 @@
               <a:defRPr/>
             </a:pPr>
             <a:r>
-              <a:rPr lang="en-US" sz="3200" b="1">
+              <a:rPr lang="en-US" sz="3200" b="1" dirty="0">
                 <a:ln w="18415" cmpd="sng">
                   <a:solidFill>
                     <a:srgbClr val="FFFFFF"/>
@@ -2273,10 +2269,10 @@
                 </a:effectLst>
                 <a:latin typeface="VNI-Aptima" pitchFamily="2" charset="0"/>
               </a:rPr>
-              <a:t> Toân vinh Chuùa </a:t>
-            </a:r>
-            <a:r>
-              <a:rPr lang="en-US" sz="3200" b="1" smtClean="0">
+              <a:t> </a:t>
+            </a:r>
+            <a:r>
+              <a:rPr lang="en-US" sz="3200" b="1" dirty="0" err="1">
                 <a:ln w="18415" cmpd="sng">
                   <a:solidFill>
                     <a:srgbClr val="FFFFFF"/>
@@ -2295,10 +2291,10 @@
                 </a:effectLst>
                 <a:latin typeface="VNI-Aptima" pitchFamily="2" charset="0"/>
               </a:rPr>
-              <a:t>- </a:t>
-            </a:r>
-            <a:r>
-              <a:rPr lang="en-US" sz="3200" b="1">
+              <a:t>Toân</a:t>
+            </a:r>
+            <a:r>
+              <a:rPr lang="en-US" sz="3200" b="1" dirty="0">
                 <a:ln w="18415" cmpd="sng">
                   <a:solidFill>
                     <a:srgbClr val="FFFFFF"/>
@@ -2317,7 +2313,183 @@
                 </a:effectLst>
                 <a:latin typeface="VNI-Aptima" pitchFamily="2" charset="0"/>
               </a:rPr>
-              <a:t>Bieät Thaùnh ca</a:t>
+              <a:t> </a:t>
+            </a:r>
+            <a:r>
+              <a:rPr lang="en-US" sz="3200" b="1" dirty="0" err="1">
+                <a:ln w="18415" cmpd="sng">
+                  <a:solidFill>
+                    <a:srgbClr val="FFFFFF"/>
+                  </a:solidFill>
+                  <a:prstDash val="solid"/>
+                </a:ln>
+                <a:solidFill>
+                  <a:srgbClr val="FFFFFF"/>
+                </a:solidFill>
+                <a:effectLst>
+                  <a:outerShdw blurRad="63500" dir="3600000" algn="tl" rotWithShape="0">
+                    <a:srgbClr val="000000">
+                      <a:alpha val="70000"/>
+                    </a:srgbClr>
+                  </a:outerShdw>
+                </a:effectLst>
+                <a:latin typeface="VNI-Aptima" pitchFamily="2" charset="0"/>
+              </a:rPr>
+              <a:t>vinh</a:t>
+            </a:r>
+            <a:r>
+              <a:rPr lang="en-US" sz="3200" b="1" dirty="0">
+                <a:ln w="18415" cmpd="sng">
+                  <a:solidFill>
+                    <a:srgbClr val="FFFFFF"/>
+                  </a:solidFill>
+                  <a:prstDash val="solid"/>
+                </a:ln>
+                <a:solidFill>
+                  <a:srgbClr val="FFFFFF"/>
+                </a:solidFill>
+                <a:effectLst>
+                  <a:outerShdw blurRad="63500" dir="3600000" algn="tl" rotWithShape="0">
+                    <a:srgbClr val="000000">
+                      <a:alpha val="70000"/>
+                    </a:srgbClr>
+                  </a:outerShdw>
+                </a:effectLst>
+                <a:latin typeface="VNI-Aptima" pitchFamily="2" charset="0"/>
+              </a:rPr>
+              <a:t> </a:t>
+            </a:r>
+            <a:r>
+              <a:rPr lang="en-US" sz="3200" b="1" dirty="0" err="1">
+                <a:ln w="18415" cmpd="sng">
+                  <a:solidFill>
+                    <a:srgbClr val="FFFFFF"/>
+                  </a:solidFill>
+                  <a:prstDash val="solid"/>
+                </a:ln>
+                <a:solidFill>
+                  <a:srgbClr val="FFFFFF"/>
+                </a:solidFill>
+                <a:effectLst>
+                  <a:outerShdw blurRad="63500" dir="3600000" algn="tl" rotWithShape="0">
+                    <a:srgbClr val="000000">
+                      <a:alpha val="70000"/>
+                    </a:srgbClr>
+                  </a:outerShdw>
+                </a:effectLst>
+                <a:latin typeface="VNI-Aptima" pitchFamily="2" charset="0"/>
+              </a:rPr>
+              <a:t>Chuùa</a:t>
+            </a:r>
+            <a:r>
+              <a:rPr lang="en-US" sz="3200" b="1" dirty="0">
+                <a:ln w="18415" cmpd="sng">
+                  <a:solidFill>
+                    <a:srgbClr val="FFFFFF"/>
+                  </a:solidFill>
+                  <a:prstDash val="solid"/>
+                </a:ln>
+                <a:solidFill>
+                  <a:srgbClr val="FFFFFF"/>
+                </a:solidFill>
+                <a:effectLst>
+                  <a:outerShdw blurRad="63500" dir="3600000" algn="tl" rotWithShape="0">
+                    <a:srgbClr val="000000">
+                      <a:alpha val="70000"/>
+                    </a:srgbClr>
+                  </a:outerShdw>
+                </a:effectLst>
+                <a:latin typeface="VNI-Aptima" pitchFamily="2" charset="0"/>
+              </a:rPr>
+              <a:t> - </a:t>
+            </a:r>
+            <a:r>
+              <a:rPr lang="en-US" sz="3200" b="1" dirty="0" err="1">
+                <a:ln w="18415" cmpd="sng">
+                  <a:solidFill>
+                    <a:srgbClr val="FFFFFF"/>
+                  </a:solidFill>
+                  <a:prstDash val="solid"/>
+                </a:ln>
+                <a:solidFill>
+                  <a:srgbClr val="FFFFFF"/>
+                </a:solidFill>
+                <a:effectLst>
+                  <a:outerShdw blurRad="63500" dir="3600000" algn="tl" rotWithShape="0">
+                    <a:srgbClr val="000000">
+                      <a:alpha val="70000"/>
+                    </a:srgbClr>
+                  </a:outerShdw>
+                </a:effectLst>
+                <a:latin typeface="VNI-Aptima" pitchFamily="2" charset="0"/>
+              </a:rPr>
+              <a:t>Bieät</a:t>
+            </a:r>
+            <a:r>
+              <a:rPr lang="en-US" sz="3200" b="1" dirty="0">
+                <a:ln w="18415" cmpd="sng">
+                  <a:solidFill>
+                    <a:srgbClr val="FFFFFF"/>
+                  </a:solidFill>
+                  <a:prstDash val="solid"/>
+                </a:ln>
+                <a:solidFill>
+                  <a:srgbClr val="FFFFFF"/>
+                </a:solidFill>
+                <a:effectLst>
+                  <a:outerShdw blurRad="63500" dir="3600000" algn="tl" rotWithShape="0">
+                    <a:srgbClr val="000000">
+                      <a:alpha val="70000"/>
+                    </a:srgbClr>
+                  </a:outerShdw>
+                </a:effectLst>
+                <a:latin typeface="VNI-Aptima" pitchFamily="2" charset="0"/>
+              </a:rPr>
+              <a:t> </a:t>
+            </a:r>
+            <a:r>
+              <a:rPr lang="en-US" sz="3200" b="1" dirty="0" err="1">
+                <a:ln w="18415" cmpd="sng">
+                  <a:solidFill>
+                    <a:srgbClr val="FFFFFF"/>
+                  </a:solidFill>
+                  <a:prstDash val="solid"/>
+                </a:ln>
+                <a:solidFill>
+                  <a:srgbClr val="FFFFFF"/>
+                </a:solidFill>
+                <a:effectLst>
+                  <a:outerShdw blurRad="63500" dir="3600000" algn="tl" rotWithShape="0">
+                    <a:srgbClr val="000000">
+                      <a:alpha val="70000"/>
+                    </a:srgbClr>
+                  </a:outerShdw>
+                </a:effectLst>
+                <a:latin typeface="VNI-Aptima" pitchFamily="2" charset="0"/>
+              </a:rPr>
+              <a:t>Thaùnh</a:t>
+            </a:r>
+            <a:r>
+              <a:rPr lang="en-US" sz="3200" b="1" dirty="0">
+                <a:ln w="18415" cmpd="sng">
+                  <a:solidFill>
+                    <a:srgbClr val="FFFFFF"/>
+                  </a:solidFill>
+                  <a:prstDash val="solid"/>
+                </a:ln>
+                <a:solidFill>
+                  <a:srgbClr val="FFFFFF"/>
+                </a:solidFill>
+                <a:effectLst>
+                  <a:outerShdw blurRad="63500" dir="3600000" algn="tl" rotWithShape="0">
+                    <a:srgbClr val="000000">
+                      <a:alpha val="70000"/>
+                    </a:srgbClr>
+                  </a:outerShdw>
+                </a:effectLst>
+                <a:latin typeface="VNI-Aptima" pitchFamily="2" charset="0"/>
+              </a:rPr>
+              <a:t> ca</a:t>
             </a:r>
           </a:p>
         </p:txBody>
@@ -2358,43 +2530,16 @@
                 <a:solidFill>
                   <a:srgbClr val="FFFF00"/>
                 </a:solidFill>
-                <a:latin typeface="VNI-Peignot" pitchFamily="2" charset="0"/>
-              </a:rPr>
-              <a:t> </a:t>
-            </a:r>
-            <a:r>
-              <a:rPr lang="en-US" sz="8000" b="1">
-                <a:solidFill>
-                  <a:srgbClr val="FFFF00"/>
-                </a:solidFill>
-                <a:latin typeface="VNI-Peignot" pitchFamily="2" charset="0"/>
-              </a:rPr>
-              <a:t>CHUÙA </a:t>
-            </a:r>
-            <a:r>
-              <a:rPr lang="en-US" sz="8000" b="1" smtClean="0">
-                <a:solidFill>
-                  <a:srgbClr val="FFFF00"/>
-                </a:solidFill>
-                <a:latin typeface="VNI-Peignot" pitchFamily="2" charset="0"/>
-              </a:rPr>
-              <a:t>JEÂSUS</a:t>
-            </a:r>
-            <a:r>
-              <a:rPr lang="en-US" sz="8000" b="1" dirty="0">
-                <a:solidFill>
-                  <a:srgbClr val="FFFF00"/>
-                </a:solidFill>
-                <a:latin typeface="VNI-Peignot" pitchFamily="2" charset="0"/>
-              </a:rPr>
-              <a:t/>
+                <a:latin typeface="VNI-Times" pitchFamily="2" charset="0"/>
+              </a:rPr>
+              <a:t> CHUÙA JEÂSUS</a:t>
             </a:r>
             <a:br>
               <a:rPr lang="en-US" sz="8000" b="1" dirty="0">
                 <a:solidFill>
                   <a:srgbClr val="FFFF00"/>
                 </a:solidFill>
-                <a:latin typeface="VNI-Peignot" pitchFamily="2" charset="0"/>
+                <a:latin typeface="VNI-Times" pitchFamily="2" charset="0"/>
               </a:rPr>
             </a:br>
             <a:r>
@@ -2402,7 +2547,7 @@
                 <a:solidFill>
                   <a:srgbClr val="FFFF00"/>
                 </a:solidFill>
-                <a:latin typeface="VNI-Peignot" pitchFamily="2" charset="0"/>
+                <a:latin typeface="VNI-Times" pitchFamily="2" charset="0"/>
               </a:rPr>
               <a:t>LAÂM PHAØM</a:t>
             </a:r>
@@ -2720,7 +2865,7 @@
         <p:spPr>
           <a:xfrm>
             <a:off x="228600" y="152400"/>
-            <a:ext cx="5638800" cy="646331"/>
+            <a:ext cx="5638800" cy="1200329"/>
           </a:xfrm>
           <a:prstGeom prst="rect">
             <a:avLst/>
@@ -2748,22 +2893,13 @@
               <a:defRPr/>
             </a:pPr>
             <a:r>
-              <a:rPr lang="en-US" sz="3600" b="1" smtClean="0">
+              <a:rPr lang="en-US" sz="3600" b="1" dirty="0">
                 <a:solidFill>
                   <a:srgbClr val="FFFF00"/>
                 </a:solidFill>
-                <a:latin typeface="VNI-Peignot" pitchFamily="2" charset="0"/>
-              </a:rPr>
-              <a:t>CHUÙA JEÂSUS </a:t>
-            </a:r>
-            <a:r>
-              <a:rPr lang="en-US" sz="3600" b="1">
-                <a:solidFill>
-                  <a:srgbClr val="FFFF00"/>
-                </a:solidFill>
-                <a:latin typeface="VNI-Peignot" pitchFamily="2" charset="0"/>
-              </a:rPr>
-              <a:t>LAÂM PHAØM</a:t>
+                <a:latin typeface="VNI-Times" pitchFamily="2" charset="0"/>
+              </a:rPr>
+              <a:t>CHUÙA JEÂSUS LAÂM PHAØM</a:t>
             </a:r>
           </a:p>
         </p:txBody>
@@ -2773,13 +2909,6 @@
   <p:clrMapOvr>
     <a:masterClrMapping/>
   </p:clrMapOvr>
-  <p:timing>
-    <p:tnLst>
-      <p:par>
-        <p:cTn id="1" dur="indefinite" restart="never" nodeType="tmRoot"/>
-      </p:par>
-    </p:tnLst>
-  </p:timing>
 </p:sld>
 </file>
 
@@ -2913,7 +3042,7 @@
         <p:spPr>
           <a:xfrm>
             <a:off x="228600" y="152400"/>
-            <a:ext cx="5638800" cy="646331"/>
+            <a:ext cx="5638800" cy="1200329"/>
           </a:xfrm>
           <a:prstGeom prst="rect">
             <a:avLst/>
@@ -2941,22 +3070,13 @@
               <a:defRPr/>
             </a:pPr>
             <a:r>
-              <a:rPr lang="en-US" sz="3600" b="1" smtClean="0">
+              <a:rPr lang="en-US" sz="3600" b="1" dirty="0">
                 <a:solidFill>
                   <a:srgbClr val="FFFF00"/>
                 </a:solidFill>
-                <a:latin typeface="VNI-Peignot" pitchFamily="2" charset="0"/>
-              </a:rPr>
-              <a:t>CHUÙA JEÂSUS </a:t>
-            </a:r>
-            <a:r>
-              <a:rPr lang="en-US" sz="3600" b="1">
-                <a:solidFill>
-                  <a:srgbClr val="FFFF00"/>
-                </a:solidFill>
-                <a:latin typeface="VNI-Peignot" pitchFamily="2" charset="0"/>
-              </a:rPr>
-              <a:t>LAÂM PHAØM</a:t>
+                <a:latin typeface="VNI-Times" pitchFamily="2" charset="0"/>
+              </a:rPr>
+              <a:t>CHUÙA JEÂSUS LAÂM PHAØM</a:t>
             </a:r>
           </a:p>
         </p:txBody>
@@ -2966,13 +3086,6 @@
   <p:clrMapOvr>
     <a:masterClrMapping/>
   </p:clrMapOvr>
-  <p:timing>
-    <p:tnLst>
-      <p:par>
-        <p:cTn id="1" dur="indefinite" restart="never" nodeType="tmRoot"/>
-      </p:par>
-    </p:tnLst>
-  </p:timing>
 </p:sld>
 </file>
 
@@ -3054,20 +3167,10 @@
                 <a:effectLst/>
                 <a:latin typeface="VNI-Aptima" pitchFamily="2" charset="0"/>
               </a:rPr>
-              <a:t>laâm </a:t>
-            </a:r>
-            <a:r>
-              <a:rPr lang="en-US" sz="6600" b="1" smtClean="0">
-                <a:solidFill>
-                  <a:schemeClr val="bg1"/>
-                </a:solidFill>
-                <a:effectLst/>
-                <a:latin typeface="VNI-Aptima" pitchFamily="2" charset="0"/>
-              </a:rPr>
-              <a:t>phaøm, lìa </a:t>
+              <a:t>laâm phaøm, lìa </a:t>
             </a:r>
             <a:br>
-              <a:rPr lang="en-US" sz="6600" b="1" smtClean="0">
+              <a:rPr lang="en-US" sz="6600" b="1">
                 <a:solidFill>
                   <a:schemeClr val="bg1"/>
                 </a:solidFill>
@@ -3076,37 +3179,17 @@
               </a:rPr>
             </a:br>
             <a:r>
-              <a:rPr lang="en-US" sz="6600" b="1" smtClean="0">
-                <a:solidFill>
-                  <a:schemeClr val="bg1"/>
-                </a:solidFill>
-                <a:effectLst/>
-                <a:latin typeface="VNI-Aptima" pitchFamily="2" charset="0"/>
-              </a:rPr>
-              <a:t>bao </a:t>
-            </a:r>
-            <a:r>
-              <a:rPr lang="en-US" sz="6600" b="1">
-                <a:solidFill>
-                  <a:schemeClr val="bg1"/>
-                </a:solidFill>
-                <a:effectLst/>
-                <a:latin typeface="VNI-Aptima" pitchFamily="2" charset="0"/>
-              </a:rPr>
-              <a:t>hieån vinh </a:t>
-            </a:r>
-            <a:r>
-              <a:rPr lang="en-US" sz="6600" b="1" smtClean="0">
-                <a:solidFill>
-                  <a:schemeClr val="bg1"/>
-                </a:solidFill>
-                <a:effectLst/>
-                <a:latin typeface="VNI-Aptima" pitchFamily="2" charset="0"/>
-              </a:rPr>
-              <a:t/>
+              <a:rPr lang="en-US" sz="6600" b="1">
+                <a:solidFill>
+                  <a:schemeClr val="bg1"/>
+                </a:solidFill>
+                <a:effectLst/>
+                <a:latin typeface="VNI-Aptima" pitchFamily="2" charset="0"/>
+              </a:rPr>
+              <a:t>bao hieån vinh </a:t>
             </a:r>
             <a:br>
-              <a:rPr lang="en-US" sz="6600" b="1" smtClean="0">
+              <a:rPr lang="en-US" sz="6600" b="1">
                 <a:solidFill>
                   <a:schemeClr val="bg1"/>
                 </a:solidFill>
@@ -3115,24 +3198,14 @@
               </a:rPr>
             </a:br>
             <a:r>
-              <a:rPr lang="en-US" sz="6600" b="1" smtClean="0">
-                <a:solidFill>
-                  <a:schemeClr val="bg1"/>
-                </a:solidFill>
-                <a:effectLst/>
-                <a:latin typeface="VNI-Aptima" pitchFamily="2" charset="0"/>
-              </a:rPr>
-              <a:t>huy </a:t>
-            </a:r>
-            <a:r>
-              <a:rPr lang="en-US" sz="6600" b="1">
-                <a:solidFill>
-                  <a:schemeClr val="bg1"/>
-                </a:solidFill>
-                <a:effectLst/>
-                <a:latin typeface="VNI-Aptima" pitchFamily="2" charset="0"/>
-              </a:rPr>
-              <a:t>hoaøng.</a:t>
+              <a:rPr lang="en-US" sz="6600" b="1">
+                <a:solidFill>
+                  <a:schemeClr val="bg1"/>
+                </a:solidFill>
+                <a:effectLst/>
+                <a:latin typeface="VNI-Aptima" pitchFamily="2" charset="0"/>
+              </a:rPr>
+              <a:t>huy hoaøng.</a:t>
             </a:r>
           </a:p>
         </p:txBody>
@@ -3146,7 +3219,7 @@
         <p:spPr>
           <a:xfrm>
             <a:off x="228600" y="152400"/>
-            <a:ext cx="5638800" cy="646331"/>
+            <a:ext cx="5638800" cy="1200329"/>
           </a:xfrm>
           <a:prstGeom prst="rect">
             <a:avLst/>
@@ -3174,22 +3247,13 @@
               <a:defRPr/>
             </a:pPr>
             <a:r>
-              <a:rPr lang="en-US" sz="3600" b="1" smtClean="0">
+              <a:rPr lang="en-US" sz="3600" b="1" dirty="0">
                 <a:solidFill>
                   <a:srgbClr val="FFFF00"/>
                 </a:solidFill>
-                <a:latin typeface="VNI-Peignot" pitchFamily="2" charset="0"/>
-              </a:rPr>
-              <a:t>CHUÙA JEÂSUS </a:t>
-            </a:r>
-            <a:r>
-              <a:rPr lang="en-US" sz="3600" b="1">
-                <a:solidFill>
-                  <a:srgbClr val="FFFF00"/>
-                </a:solidFill>
-                <a:latin typeface="VNI-Peignot" pitchFamily="2" charset="0"/>
-              </a:rPr>
-              <a:t>LAÂM PHAØM</a:t>
+                <a:latin typeface="VNI-Times" pitchFamily="2" charset="0"/>
+              </a:rPr>
+              <a:t>CHUÙA JEÂSUS LAÂM PHAØM</a:t>
             </a:r>
           </a:p>
         </p:txBody>
@@ -3199,13 +3263,6 @@
   <p:clrMapOvr>
     <a:masterClrMapping/>
   </p:clrMapOvr>
-  <p:timing>
-    <p:tnLst>
-      <p:par>
-        <p:cTn id="1" dur="indefinite" restart="never" nodeType="tmRoot"/>
-      </p:par>
-    </p:tnLst>
-  </p:timing>
 </p:sld>
 </file>
 
@@ -3320,7 +3377,7 @@
         <p:spPr>
           <a:xfrm>
             <a:off x="228600" y="152400"/>
-            <a:ext cx="5638800" cy="646331"/>
+            <a:ext cx="5638800" cy="1200329"/>
           </a:xfrm>
           <a:prstGeom prst="rect">
             <a:avLst/>
@@ -3348,22 +3405,13 @@
               <a:defRPr/>
             </a:pPr>
             <a:r>
-              <a:rPr lang="en-US" sz="3600" b="1" smtClean="0">
+              <a:rPr lang="en-US" sz="3600" b="1" dirty="0">
                 <a:solidFill>
                   <a:srgbClr val="FFFF00"/>
                 </a:solidFill>
-                <a:latin typeface="VNI-Peignot" pitchFamily="2" charset="0"/>
-              </a:rPr>
-              <a:t>CHUÙA JEÂSUS </a:t>
-            </a:r>
-            <a:r>
-              <a:rPr lang="en-US" sz="3600" b="1">
-                <a:solidFill>
-                  <a:srgbClr val="FFFF00"/>
-                </a:solidFill>
-                <a:latin typeface="VNI-Peignot" pitchFamily="2" charset="0"/>
-              </a:rPr>
-              <a:t>LAÂM PHAØM</a:t>
+                <a:latin typeface="VNI-Times" pitchFamily="2" charset="0"/>
+              </a:rPr>
+              <a:t>CHUÙA JEÂSUS LAÂM PHAØM</a:t>
             </a:r>
           </a:p>
         </p:txBody>
@@ -3373,13 +3421,6 @@
   <p:clrMapOvr>
     <a:masterClrMapping/>
   </p:clrMapOvr>
-  <p:timing>
-    <p:tnLst>
-      <p:par>
-        <p:cTn id="1" dur="indefinite" restart="never" nodeType="tmRoot"/>
-      </p:par>
-    </p:tnLst>
-  </p:timing>
 </p:sld>
 </file>
 
@@ -3452,40 +3493,10 @@
                 <a:effectLst/>
                 <a:latin typeface="VNI-Aptima" pitchFamily="2" charset="0"/>
               </a:rPr>
-              <a:t> </a:t>
-            </a:r>
-            <a:r>
-              <a:rPr lang="en-US" sz="6600" b="1" smtClean="0">
-                <a:solidFill>
-                  <a:schemeClr val="bg1"/>
-                </a:solidFill>
-                <a:effectLst/>
-                <a:latin typeface="VNI-Aptima" pitchFamily="2" charset="0"/>
-              </a:rPr>
-              <a:t>Chuùa </a:t>
-            </a:r>
-            <a:r>
-              <a:rPr lang="en-US" sz="6600" b="1">
-                <a:solidFill>
-                  <a:schemeClr val="bg1"/>
-                </a:solidFill>
-                <a:effectLst/>
-                <a:latin typeface="VNI-Aptima" pitchFamily="2" charset="0"/>
-              </a:rPr>
-              <a:t>Ñ</a:t>
-            </a:r>
-            <a:r>
-              <a:rPr lang="en-US" sz="6600" b="1" smtClean="0">
-                <a:solidFill>
-                  <a:schemeClr val="bg1"/>
-                </a:solidFill>
-                <a:effectLst/>
-                <a:latin typeface="VNI-Aptima" pitchFamily="2" charset="0"/>
-              </a:rPr>
-              <a:t>aáng </a:t>
+              <a:t> Chuùa Ñaáng </a:t>
             </a:r>
             <a:br>
-              <a:rPr lang="en-US" sz="6600" b="1" smtClean="0">
+              <a:rPr lang="en-US" sz="6600" b="1">
                 <a:solidFill>
                   <a:schemeClr val="bg1"/>
                 </a:solidFill>
@@ -3494,24 +3505,14 @@
               </a:rPr>
             </a:br>
             <a:r>
-              <a:rPr lang="en-US" sz="6600" b="1" smtClean="0">
-                <a:solidFill>
-                  <a:schemeClr val="bg1"/>
-                </a:solidFill>
-                <a:effectLst/>
-                <a:latin typeface="VNI-Aptima" pitchFamily="2" charset="0"/>
-              </a:rPr>
-              <a:t>toâi </a:t>
-            </a:r>
-            <a:r>
-              <a:rPr lang="en-US" sz="6600" b="1">
-                <a:solidFill>
-                  <a:schemeClr val="bg1"/>
-                </a:solidFill>
-                <a:effectLst/>
-                <a:latin typeface="VNI-Aptima" pitchFamily="2" charset="0"/>
-              </a:rPr>
-              <a:t>yeâu thöông! </a:t>
+              <a:rPr lang="en-US" sz="6600" b="1">
+                <a:solidFill>
+                  <a:schemeClr val="bg1"/>
+                </a:solidFill>
+                <a:effectLst/>
+                <a:latin typeface="VNI-Aptima" pitchFamily="2" charset="0"/>
+              </a:rPr>
+              <a:t>toâi yeâu thöông! </a:t>
             </a:r>
             <a:br>
               <a:rPr lang="en-US" sz="6600" b="1">
@@ -3523,44 +3524,14 @@
               </a:rPr>
             </a:br>
             <a:r>
-              <a:rPr lang="en-US" sz="6600" b="1" smtClean="0">
-                <a:solidFill>
-                  <a:schemeClr val="bg1"/>
-                </a:solidFill>
-                <a:effectLst/>
-                <a:latin typeface="VNI-Aptima" pitchFamily="2" charset="0"/>
-              </a:rPr>
-              <a:t>Chuùa </a:t>
-            </a:r>
-            <a:r>
-              <a:rPr lang="en-US" sz="6600" b="1">
-                <a:solidFill>
-                  <a:schemeClr val="bg1"/>
-                </a:solidFill>
-                <a:effectLst/>
-                <a:latin typeface="VNI-Aptima" pitchFamily="2" charset="0"/>
-              </a:rPr>
-              <a:t>Ñ</a:t>
-            </a:r>
-            <a:r>
-              <a:rPr lang="en-US" sz="6600" b="1" smtClean="0">
-                <a:solidFill>
-                  <a:schemeClr val="bg1"/>
-                </a:solidFill>
-                <a:effectLst/>
-                <a:latin typeface="VNI-Aptima" pitchFamily="2" charset="0"/>
-              </a:rPr>
-              <a:t>aáng </a:t>
-            </a:r>
-            <a:r>
-              <a:rPr lang="en-US" sz="6600" b="1">
-                <a:solidFill>
-                  <a:schemeClr val="bg1"/>
-                </a:solidFill>
-                <a:effectLst/>
-                <a:latin typeface="VNI-Aptima" pitchFamily="2" charset="0"/>
-              </a:rPr>
-              <a:t>toâi</a:t>
+              <a:rPr lang="en-US" sz="6600" b="1">
+                <a:solidFill>
+                  <a:schemeClr val="bg1"/>
+                </a:solidFill>
+                <a:effectLst/>
+                <a:latin typeface="VNI-Aptima" pitchFamily="2" charset="0"/>
+              </a:rPr>
+              <a:t>Chuùa Ñaáng toâi</a:t>
             </a:r>
             <a:br>
               <a:rPr lang="en-US" sz="6600" b="1">
@@ -3593,7 +3564,7 @@
         <p:spPr>
           <a:xfrm>
             <a:off x="228600" y="152400"/>
-            <a:ext cx="5638800" cy="646331"/>
+            <a:ext cx="5638800" cy="1200329"/>
           </a:xfrm>
           <a:prstGeom prst="rect">
             <a:avLst/>
@@ -3621,22 +3592,13 @@
               <a:defRPr/>
             </a:pPr>
             <a:r>
-              <a:rPr lang="en-US" sz="3600" b="1" smtClean="0">
+              <a:rPr lang="en-US" sz="3600" b="1" dirty="0">
                 <a:solidFill>
                   <a:srgbClr val="FFFF00"/>
                 </a:solidFill>
-                <a:latin typeface="VNI-Peignot" pitchFamily="2" charset="0"/>
-              </a:rPr>
-              <a:t>CHUÙA JEÂSUS </a:t>
-            </a:r>
-            <a:r>
-              <a:rPr lang="en-US" sz="3600" b="1">
-                <a:solidFill>
-                  <a:srgbClr val="FFFF00"/>
-                </a:solidFill>
-                <a:latin typeface="VNI-Peignot" pitchFamily="2" charset="0"/>
-              </a:rPr>
-              <a:t>LAÂM PHAØM</a:t>
+                <a:latin typeface="VNI-Times" pitchFamily="2" charset="0"/>
+              </a:rPr>
+              <a:t>CHUÙA JEÂSUS LAÂM PHAØM</a:t>
             </a:r>
           </a:p>
         </p:txBody>
@@ -3651,13 +3613,6 @@
   <p:clrMapOvr>
     <a:masterClrMapping/>
   </p:clrMapOvr>
-  <p:timing>
-    <p:tnLst>
-      <p:par>
-        <p:cTn id="1" dur="indefinite" restart="never" nodeType="tmRoot"/>
-      </p:par>
-    </p:tnLst>
-  </p:timing>
 </p:sld>
 </file>
 
@@ -3791,7 +3746,7 @@
         <p:spPr>
           <a:xfrm>
             <a:off x="228600" y="152400"/>
-            <a:ext cx="5638800" cy="646331"/>
+            <a:ext cx="5638800" cy="1200329"/>
           </a:xfrm>
           <a:prstGeom prst="rect">
             <a:avLst/>
@@ -3819,22 +3774,13 @@
               <a:defRPr/>
             </a:pPr>
             <a:r>
-              <a:rPr lang="en-US" sz="3600" b="1" smtClean="0">
+              <a:rPr lang="en-US" sz="3600" b="1" dirty="0">
                 <a:solidFill>
                   <a:srgbClr val="FFFF00"/>
                 </a:solidFill>
-                <a:latin typeface="VNI-Peignot" pitchFamily="2" charset="0"/>
-              </a:rPr>
-              <a:t>CHUÙA JEÂSUS </a:t>
-            </a:r>
-            <a:r>
-              <a:rPr lang="en-US" sz="3600" b="1">
-                <a:solidFill>
-                  <a:srgbClr val="FFFF00"/>
-                </a:solidFill>
-                <a:latin typeface="VNI-Peignot" pitchFamily="2" charset="0"/>
-              </a:rPr>
-              <a:t>LAÂM PHAØM</a:t>
+                <a:latin typeface="VNI-Times" pitchFamily="2" charset="0"/>
+              </a:rPr>
+              <a:t>CHUÙA JEÂSUS LAÂM PHAØM</a:t>
             </a:r>
           </a:p>
         </p:txBody>
@@ -3849,13 +3795,6 @@
   <p:clrMapOvr>
     <a:masterClrMapping/>
   </p:clrMapOvr>
-  <p:timing>
-    <p:tnLst>
-      <p:par>
-        <p:cTn id="1" dur="indefinite" restart="never" nodeType="tmRoot"/>
-      </p:par>
-    </p:tnLst>
-  </p:timing>
 </p:sld>
 </file>
 
@@ -3989,7 +3928,7 @@
         <p:spPr>
           <a:xfrm>
             <a:off x="228600" y="152400"/>
-            <a:ext cx="5638800" cy="646331"/>
+            <a:ext cx="5638800" cy="1200329"/>
           </a:xfrm>
           <a:prstGeom prst="rect">
             <a:avLst/>
@@ -4017,22 +3956,13 @@
               <a:defRPr/>
             </a:pPr>
             <a:r>
-              <a:rPr lang="en-US" sz="3600" b="1" smtClean="0">
+              <a:rPr lang="en-US" sz="3600" b="1" dirty="0">
                 <a:solidFill>
                   <a:srgbClr val="FFFF00"/>
                 </a:solidFill>
-                <a:latin typeface="VNI-Peignot" pitchFamily="2" charset="0"/>
-              </a:rPr>
-              <a:t>CHUÙA JEÂSUS </a:t>
-            </a:r>
-            <a:r>
-              <a:rPr lang="en-US" sz="3600" b="1">
-                <a:solidFill>
-                  <a:srgbClr val="FFFF00"/>
-                </a:solidFill>
-                <a:latin typeface="VNI-Peignot" pitchFamily="2" charset="0"/>
-              </a:rPr>
-              <a:t>LAÂM PHAØM</a:t>
+                <a:latin typeface="VNI-Times" pitchFamily="2" charset="0"/>
+              </a:rPr>
+              <a:t>CHUÙA JEÂSUS LAÂM PHAØM</a:t>
             </a:r>
           </a:p>
         </p:txBody>
@@ -4047,13 +3977,6 @@
   <p:clrMapOvr>
     <a:masterClrMapping/>
   </p:clrMapOvr>
-  <p:timing>
-    <p:tnLst>
-      <p:par>
-        <p:cTn id="1" dur="indefinite" restart="never" nodeType="tmRoot"/>
-      </p:par>
-    </p:tnLst>
-  </p:timing>
 </p:sld>
 </file>
 
@@ -4168,7 +4091,7 @@
         <p:spPr>
           <a:xfrm>
             <a:off x="228600" y="152400"/>
-            <a:ext cx="5638800" cy="646331"/>
+            <a:ext cx="5638800" cy="1200329"/>
           </a:xfrm>
           <a:prstGeom prst="rect">
             <a:avLst/>
@@ -4196,22 +4119,13 @@
               <a:defRPr/>
             </a:pPr>
             <a:r>
-              <a:rPr lang="en-US" sz="3600" b="1" smtClean="0">
+              <a:rPr lang="en-US" sz="3600" b="1" dirty="0">
                 <a:solidFill>
                   <a:srgbClr val="FFFF00"/>
                 </a:solidFill>
-                <a:latin typeface="VNI-Peignot" pitchFamily="2" charset="0"/>
-              </a:rPr>
-              <a:t>CHUÙA JEÂSUS </a:t>
-            </a:r>
-            <a:r>
-              <a:rPr lang="en-US" sz="3600" b="1">
-                <a:solidFill>
-                  <a:srgbClr val="FFFF00"/>
-                </a:solidFill>
-                <a:latin typeface="VNI-Peignot" pitchFamily="2" charset="0"/>
-              </a:rPr>
-              <a:t>LAÂM PHAØM</a:t>
+                <a:latin typeface="VNI-Times" pitchFamily="2" charset="0"/>
+              </a:rPr>
+              <a:t>CHUÙA JEÂSUS LAÂM PHAØM</a:t>
             </a:r>
           </a:p>
         </p:txBody>
@@ -4226,13 +4140,6 @@
   <p:clrMapOvr>
     <a:masterClrMapping/>
   </p:clrMapOvr>
-  <p:timing>
-    <p:tnLst>
-      <p:par>
-        <p:cTn id="1" dur="indefinite" restart="never" nodeType="tmRoot"/>
-      </p:par>
-    </p:tnLst>
-  </p:timing>
 </p:sld>
 </file>
 
@@ -4345,18 +4252,8 @@
               </a:rPr>
               <a:t>Naøo ca haùt leân </a:t>
             </a:r>
-            <a:r>
-              <a:rPr lang="en-US" sz="6600" b="1" smtClean="0">
-                <a:solidFill>
-                  <a:schemeClr val="bg1"/>
-                </a:solidFill>
-                <a:effectLst/>
-                <a:latin typeface="VNI-Aptima" pitchFamily="2" charset="0"/>
-              </a:rPr>
-              <a:t/>
-            </a:r>
             <a:br>
-              <a:rPr lang="en-US" sz="6600" b="1" smtClean="0">
+              <a:rPr lang="en-US" sz="6600" b="1">
                 <a:solidFill>
                   <a:schemeClr val="bg1"/>
                 </a:solidFill>
@@ -4365,24 +4262,14 @@
               </a:rPr>
             </a:br>
             <a:r>
-              <a:rPr lang="en-US" sz="6600" b="1" smtClean="0">
-                <a:solidFill>
-                  <a:schemeClr val="bg1"/>
-                </a:solidFill>
-                <a:effectLst/>
-                <a:latin typeface="VNI-Aptima" pitchFamily="2" charset="0"/>
-              </a:rPr>
-              <a:t>nhaân </a:t>
-            </a:r>
-            <a:r>
-              <a:rPr lang="en-US" sz="6600" b="1">
-                <a:solidFill>
-                  <a:schemeClr val="bg1"/>
-                </a:solidFill>
-                <a:effectLst/>
-                <a:latin typeface="VNI-Aptima" pitchFamily="2" charset="0"/>
-              </a:rPr>
-              <a:t>loaïi.</a:t>
+              <a:rPr lang="en-US" sz="6600" b="1">
+                <a:solidFill>
+                  <a:schemeClr val="bg1"/>
+                </a:solidFill>
+                <a:effectLst/>
+                <a:latin typeface="VNI-Aptima" pitchFamily="2" charset="0"/>
+              </a:rPr>
+              <a:t>nhaân loaïi.</a:t>
             </a:r>
           </a:p>
         </p:txBody>
@@ -4396,7 +4283,7 @@
         <p:spPr>
           <a:xfrm>
             <a:off x="228600" y="152400"/>
-            <a:ext cx="5638800" cy="646331"/>
+            <a:ext cx="5638800" cy="1200329"/>
           </a:xfrm>
           <a:prstGeom prst="rect">
             <a:avLst/>
@@ -4424,22 +4311,13 @@
               <a:defRPr/>
             </a:pPr>
             <a:r>
-              <a:rPr lang="en-US" sz="3600" b="1" smtClean="0">
+              <a:rPr lang="en-US" sz="3600" b="1" dirty="0">
                 <a:solidFill>
                   <a:srgbClr val="FFFF00"/>
                 </a:solidFill>
-                <a:latin typeface="VNI-Peignot" pitchFamily="2" charset="0"/>
-              </a:rPr>
-              <a:t>CHUÙA JEÂSUS </a:t>
-            </a:r>
-            <a:r>
-              <a:rPr lang="en-US" sz="3600" b="1">
-                <a:solidFill>
-                  <a:srgbClr val="FFFF00"/>
-                </a:solidFill>
-                <a:latin typeface="VNI-Peignot" pitchFamily="2" charset="0"/>
-              </a:rPr>
-              <a:t>LAÂM PHAØM</a:t>
+                <a:latin typeface="VNI-Times" pitchFamily="2" charset="0"/>
+              </a:rPr>
+              <a:t>CHUÙA JEÂSUS LAÂM PHAØM</a:t>
             </a:r>
           </a:p>
         </p:txBody>
@@ -4449,13 +4327,6 @@
   <p:clrMapOvr>
     <a:masterClrMapping/>
   </p:clrMapOvr>
-  <p:timing>
-    <p:tnLst>
-      <p:par>
-        <p:cTn id="1" dur="indefinite" restart="never" nodeType="tmRoot"/>
-      </p:par>
-    </p:tnLst>
-  </p:timing>
 </p:sld>
 </file>
 
@@ -4511,37 +4382,17 @@
               </a:spcBef>
             </a:pPr>
             <a:r>
-              <a:rPr lang="en-US" sz="6600" b="1" smtClean="0">
-                <a:solidFill>
-                  <a:schemeClr val="bg1"/>
-                </a:solidFill>
-                <a:effectLst/>
-                <a:latin typeface="VNI-Aptima" pitchFamily="2" charset="0"/>
-              </a:rPr>
-              <a:t>Jeâsus giaùng </a:t>
-            </a:r>
-            <a:r>
-              <a:rPr lang="en-US" sz="6600" b="1">
-                <a:solidFill>
-                  <a:schemeClr val="bg1"/>
-                </a:solidFill>
-                <a:effectLst/>
-                <a:latin typeface="VNI-Aptima" pitchFamily="2" charset="0"/>
-              </a:rPr>
-              <a:t>sinh </a:t>
-            </a:r>
-            <a:r>
-              <a:rPr lang="en-US" sz="6600" b="1" smtClean="0">
-                <a:solidFill>
-                  <a:schemeClr val="bg1"/>
-                </a:solidFill>
-                <a:effectLst/>
-                <a:latin typeface="VNI-Aptima" pitchFamily="2" charset="0"/>
-              </a:rPr>
-              <a:t/>
+              <a:rPr lang="en-US" sz="6600" b="1">
+                <a:solidFill>
+                  <a:schemeClr val="bg1"/>
+                </a:solidFill>
+                <a:effectLst/>
+                <a:latin typeface="VNI-Aptima" pitchFamily="2" charset="0"/>
+              </a:rPr>
+              <a:t>Jeâsus giaùng sinh </a:t>
             </a:r>
             <a:br>
-              <a:rPr lang="en-US" sz="6600" b="1" smtClean="0">
+              <a:rPr lang="en-US" sz="6600" b="1">
                 <a:solidFill>
                   <a:schemeClr val="bg1"/>
                 </a:solidFill>
@@ -4550,24 +4401,14 @@
               </a:rPr>
             </a:br>
             <a:r>
-              <a:rPr lang="en-US" sz="6600" b="1" smtClean="0">
-                <a:solidFill>
-                  <a:schemeClr val="bg1"/>
-                </a:solidFill>
-                <a:effectLst/>
-                <a:latin typeface="VNI-Aptima" pitchFamily="2" charset="0"/>
-              </a:rPr>
-              <a:t>laøm </a:t>
-            </a:r>
-            <a:r>
-              <a:rPr lang="en-US" sz="6600" b="1">
-                <a:solidFill>
-                  <a:schemeClr val="bg1"/>
-                </a:solidFill>
-                <a:effectLst/>
-                <a:latin typeface="VNI-Aptima" pitchFamily="2" charset="0"/>
-              </a:rPr>
-              <a:t>ngöôøi,</a:t>
+              <a:rPr lang="en-US" sz="6600" b="1">
+                <a:solidFill>
+                  <a:schemeClr val="bg1"/>
+                </a:solidFill>
+                <a:effectLst/>
+                <a:latin typeface="VNI-Aptima" pitchFamily="2" charset="0"/>
+              </a:rPr>
+              <a:t>laøm ngöôøi,</a:t>
             </a:r>
             <a:br>
               <a:rPr lang="en-US" sz="6600" b="1">
@@ -4619,7 +4460,7 @@
         <p:spPr>
           <a:xfrm>
             <a:off x="228600" y="152400"/>
-            <a:ext cx="5638800" cy="646331"/>
+            <a:ext cx="5638800" cy="1200329"/>
           </a:xfrm>
           <a:prstGeom prst="rect">
             <a:avLst/>
@@ -4647,22 +4488,13 @@
               <a:defRPr/>
             </a:pPr>
             <a:r>
-              <a:rPr lang="en-US" sz="3600" b="1" smtClean="0">
+              <a:rPr lang="en-US" sz="3600" b="1" dirty="0">
                 <a:solidFill>
                   <a:srgbClr val="FFFF00"/>
                 </a:solidFill>
-                <a:latin typeface="VNI-Peignot" pitchFamily="2" charset="0"/>
-              </a:rPr>
-              <a:t>CHUÙA JEÂSUS </a:t>
-            </a:r>
-            <a:r>
-              <a:rPr lang="en-US" sz="3600" b="1">
-                <a:solidFill>
-                  <a:srgbClr val="FFFF00"/>
-                </a:solidFill>
-                <a:latin typeface="VNI-Peignot" pitchFamily="2" charset="0"/>
-              </a:rPr>
-              <a:t>LAÂM PHAØM</a:t>
+                <a:latin typeface="VNI-Times" pitchFamily="2" charset="0"/>
+              </a:rPr>
+              <a:t>CHUÙA JEÂSUS LAÂM PHAØM</a:t>
             </a:r>
           </a:p>
         </p:txBody>
@@ -4672,13 +4504,6 @@
   <p:clrMapOvr>
     <a:masterClrMapping/>
   </p:clrMapOvr>
-  <p:timing>
-    <p:tnLst>
-      <p:par>
-        <p:cTn id="1" dur="indefinite" restart="never" nodeType="tmRoot"/>
-      </p:par>
-    </p:tnLst>
-  </p:timing>
 </p:sld>
 </file>
 
@@ -4708,7 +4533,7 @@
         <p:spPr>
           <a:xfrm>
             <a:off x="228600" y="152400"/>
-            <a:ext cx="5638800" cy="646331"/>
+            <a:ext cx="5638800" cy="1200329"/>
           </a:xfrm>
           <a:prstGeom prst="rect">
             <a:avLst/>
@@ -4736,22 +4561,13 @@
               <a:defRPr/>
             </a:pPr>
             <a:r>
-              <a:rPr lang="en-US" sz="3600" b="1" smtClean="0">
+              <a:rPr lang="en-US" sz="3600" b="1" dirty="0">
                 <a:solidFill>
                   <a:srgbClr val="FFFF00"/>
                 </a:solidFill>
-                <a:latin typeface="VNI-Peignot" pitchFamily="2" charset="0"/>
-              </a:rPr>
-              <a:t>CHUÙA JEÂSUS </a:t>
-            </a:r>
-            <a:r>
-              <a:rPr lang="en-US" sz="3600" b="1">
-                <a:solidFill>
-                  <a:srgbClr val="FFFF00"/>
-                </a:solidFill>
-                <a:latin typeface="VNI-Peignot" pitchFamily="2" charset="0"/>
-              </a:rPr>
-              <a:t>LAÂM PHAØM</a:t>
+                <a:latin typeface="VNI-Times" pitchFamily="2" charset="0"/>
+              </a:rPr>
+              <a:t>CHUÙA JEÂSUS LAÂM PHAØM</a:t>
             </a:r>
           </a:p>
         </p:txBody>
@@ -4809,27 +4625,7 @@
                 <a:effectLst/>
                 <a:latin typeface="VNI-Aptima" pitchFamily="2" charset="0"/>
               </a:rPr>
-              <a:t>Chuùa </a:t>
-            </a:r>
-            <a:r>
-              <a:rPr lang="en-US" sz="6600" b="1" smtClean="0">
-                <a:solidFill>
-                  <a:schemeClr val="bg1"/>
-                </a:solidFill>
-                <a:effectLst/>
-                <a:latin typeface="VNI-Aptima" pitchFamily="2" charset="0"/>
-              </a:rPr>
-              <a:t>Jeâsus</a:t>
-            </a:r>
-            <a:r>
-              <a:rPr lang="en-US" sz="6600" b="1">
-                <a:solidFill>
-                  <a:schemeClr val="bg1"/>
-                </a:solidFill>
-                <a:effectLst/>
-                <a:latin typeface="VNI-Aptima" pitchFamily="2" charset="0"/>
-              </a:rPr>
-              <a:t/>
+              <a:t>Chuùa Jeâsus</a:t>
             </a:r>
             <a:br>
               <a:rPr lang="en-US" sz="6600" b="1">
@@ -4848,20 +4644,10 @@
                 <a:effectLst/>
                 <a:latin typeface="VNI-Aptima" pitchFamily="2" charset="0"/>
               </a:rPr>
-              <a:t>laâm </a:t>
-            </a:r>
-            <a:r>
-              <a:rPr lang="en-US" sz="6600" b="1" smtClean="0">
-                <a:solidFill>
-                  <a:schemeClr val="bg1"/>
-                </a:solidFill>
-                <a:effectLst/>
-                <a:latin typeface="VNI-Aptima" pitchFamily="2" charset="0"/>
-              </a:rPr>
-              <a:t>phaøm lìa </a:t>
+              <a:t>laâm phaøm lìa </a:t>
             </a:r>
             <a:br>
-              <a:rPr lang="en-US" sz="6600" b="1" smtClean="0">
+              <a:rPr lang="en-US" sz="6600" b="1">
                 <a:solidFill>
                   <a:schemeClr val="bg1"/>
                 </a:solidFill>
@@ -4870,7 +4656,7 @@
               </a:rPr>
             </a:br>
             <a:r>
-              <a:rPr lang="en-US" sz="6600" b="1" smtClean="0">
+              <a:rPr lang="en-US" sz="6600" b="1">
                 <a:solidFill>
                   <a:schemeClr val="bg1"/>
                 </a:solidFill>
@@ -4880,7 +4666,7 @@
               <a:t>ngoâi baùu treân </a:t>
             </a:r>
             <a:br>
-              <a:rPr lang="en-US" sz="6600" b="1" smtClean="0">
+              <a:rPr lang="en-US" sz="6600" b="1">
                 <a:solidFill>
                   <a:schemeClr val="bg1"/>
                 </a:solidFill>
@@ -4889,24 +4675,14 @@
               </a:rPr>
             </a:br>
             <a:r>
-              <a:rPr lang="en-US" sz="6600" b="1" smtClean="0">
-                <a:solidFill>
-                  <a:schemeClr val="bg1"/>
-                </a:solidFill>
-                <a:effectLst/>
-                <a:latin typeface="VNI-Aptima" pitchFamily="2" charset="0"/>
-              </a:rPr>
-              <a:t>thieân </a:t>
-            </a:r>
-            <a:r>
-              <a:rPr lang="en-US" sz="6600" b="1">
-                <a:solidFill>
-                  <a:schemeClr val="bg1"/>
-                </a:solidFill>
-                <a:effectLst/>
-                <a:latin typeface="VNI-Aptima" pitchFamily="2" charset="0"/>
-              </a:rPr>
-              <a:t>ñaøng.</a:t>
+              <a:rPr lang="en-US" sz="6600" b="1">
+                <a:solidFill>
+                  <a:schemeClr val="bg1"/>
+                </a:solidFill>
+                <a:effectLst/>
+                <a:latin typeface="VNI-Aptima" pitchFamily="2" charset="0"/>
+              </a:rPr>
+              <a:t>thieân ñaøng.</a:t>
             </a:r>
             <a:endParaRPr lang="en-US" sz="6600">
               <a:solidFill>
@@ -4934,13 +4710,6 @@
       </p:transition>
     </mc:Fallback>
   </mc:AlternateContent>
-  <p:timing>
-    <p:tnLst>
-      <p:par>
-        <p:cTn id="1" dur="indefinite" restart="never" nodeType="tmRoot"/>
-      </p:par>
-    </p:tnLst>
-  </p:timing>
 </p:sld>
 </file>
 
@@ -5022,40 +4791,10 @@
                 <a:effectLst/>
                 <a:latin typeface="VNI-Aptima" pitchFamily="2" charset="0"/>
               </a:rPr>
-              <a:t>Con </a:t>
-            </a:r>
-            <a:r>
-              <a:rPr lang="en-US" sz="6600" b="1" smtClean="0">
-                <a:solidFill>
-                  <a:schemeClr val="bg1"/>
-                </a:solidFill>
-                <a:effectLst/>
-                <a:latin typeface="VNI-Aptima" pitchFamily="2" charset="0"/>
-              </a:rPr>
-              <a:t>Trôøi, Ngaøi </a:t>
-            </a:r>
-            <a:r>
-              <a:rPr lang="en-US" sz="6600" b="1">
-                <a:solidFill>
-                  <a:schemeClr val="bg1"/>
-                </a:solidFill>
-                <a:effectLst/>
-                <a:latin typeface="VNI-Aptima" pitchFamily="2" charset="0"/>
-              </a:rPr>
-              <a:t>khoâng gôùm </a:t>
-            </a:r>
-            <a:r>
-              <a:rPr lang="en-US" sz="6600" b="1" smtClean="0">
-                <a:solidFill>
-                  <a:schemeClr val="bg1"/>
-                </a:solidFill>
-                <a:effectLst/>
-                <a:latin typeface="VNI-Aptima" pitchFamily="2" charset="0"/>
-              </a:rPr>
-              <a:t/>
+              <a:t>Con Trôøi, Ngaøi khoâng gôùm </a:t>
             </a:r>
             <a:br>
-              <a:rPr lang="en-US" sz="6600" b="1" smtClean="0">
+              <a:rPr lang="en-US" sz="6600" b="1">
                 <a:solidFill>
                   <a:schemeClr val="bg1"/>
                 </a:solidFill>
@@ -5064,24 +4803,14 @@
               </a:rPr>
             </a:br>
             <a:r>
-              <a:rPr lang="en-US" sz="6600" b="1" smtClean="0">
-                <a:solidFill>
-                  <a:schemeClr val="bg1"/>
-                </a:solidFill>
-                <a:effectLst/>
-                <a:latin typeface="VNI-Aptima" pitchFamily="2" charset="0"/>
-              </a:rPr>
-              <a:t>nôi oâ </a:t>
-            </a:r>
-            <a:r>
-              <a:rPr lang="en-US" sz="6600" b="1">
-                <a:solidFill>
-                  <a:schemeClr val="bg1"/>
-                </a:solidFill>
-                <a:effectLst/>
-                <a:latin typeface="VNI-Aptima" pitchFamily="2" charset="0"/>
-              </a:rPr>
-              <a:t>toäi.</a:t>
+              <a:rPr lang="en-US" sz="6600" b="1">
+                <a:solidFill>
+                  <a:schemeClr val="bg1"/>
+                </a:solidFill>
+                <a:effectLst/>
+                <a:latin typeface="VNI-Aptima" pitchFamily="2" charset="0"/>
+              </a:rPr>
+              <a:t>nôi oâ toäi.</a:t>
             </a:r>
           </a:p>
         </p:txBody>
@@ -5095,7 +4824,7 @@
         <p:spPr>
           <a:xfrm>
             <a:off x="228600" y="152400"/>
-            <a:ext cx="5638800" cy="646331"/>
+            <a:ext cx="5638800" cy="1200329"/>
           </a:xfrm>
           <a:prstGeom prst="rect">
             <a:avLst/>
@@ -5123,22 +4852,13 @@
               <a:defRPr/>
             </a:pPr>
             <a:r>
-              <a:rPr lang="en-US" sz="3600" b="1" smtClean="0">
+              <a:rPr lang="en-US" sz="3600" b="1" dirty="0">
                 <a:solidFill>
                   <a:srgbClr val="FFFF00"/>
                 </a:solidFill>
-                <a:latin typeface="VNI-Peignot" pitchFamily="2" charset="0"/>
-              </a:rPr>
-              <a:t>CHUÙA JEÂSUS </a:t>
-            </a:r>
-            <a:r>
-              <a:rPr lang="en-US" sz="3600" b="1">
-                <a:solidFill>
-                  <a:srgbClr val="FFFF00"/>
-                </a:solidFill>
-                <a:latin typeface="VNI-Peignot" pitchFamily="2" charset="0"/>
-              </a:rPr>
-              <a:t>LAÂM PHAØM</a:t>
+                <a:latin typeface="VNI-Times" pitchFamily="2" charset="0"/>
+              </a:rPr>
+              <a:t>CHUÙA JEÂSUS LAÂM PHAØM</a:t>
             </a:r>
           </a:p>
         </p:txBody>
@@ -5148,13 +4868,6 @@
   <p:clrMapOvr>
     <a:masterClrMapping/>
   </p:clrMapOvr>
-  <p:timing>
-    <p:tnLst>
-      <p:par>
-        <p:cTn id="1" dur="indefinite" restart="never" nodeType="tmRoot"/>
-      </p:par>
-    </p:tnLst>
-  </p:timing>
 </p:sld>
 </file>
 
@@ -5219,18 +4932,8 @@
               </a:rPr>
               <a:t>Boû thieân ñaøng </a:t>
             </a:r>
-            <a:r>
-              <a:rPr lang="en-US" sz="6600" b="1" smtClean="0">
-                <a:solidFill>
-                  <a:schemeClr val="bg1"/>
-                </a:solidFill>
-                <a:effectLst/>
-                <a:latin typeface="VNI-Aptima" pitchFamily="2" charset="0"/>
-              </a:rPr>
-              <a:t/>
-            </a:r>
             <a:br>
-              <a:rPr lang="en-US" sz="6600" b="1" smtClean="0">
+              <a:rPr lang="en-US" sz="6600" b="1">
                 <a:solidFill>
                   <a:schemeClr val="bg1"/>
                 </a:solidFill>
@@ -5239,24 +4942,14 @@
               </a:rPr>
             </a:br>
             <a:r>
-              <a:rPr lang="en-US" sz="6600" b="1" smtClean="0">
-                <a:solidFill>
-                  <a:schemeClr val="bg1"/>
-                </a:solidFill>
-                <a:effectLst/>
-                <a:latin typeface="VNI-Aptima" pitchFamily="2" charset="0"/>
-              </a:rPr>
-              <a:t>xuoáng </a:t>
-            </a:r>
-            <a:r>
-              <a:rPr lang="en-US" sz="6600" b="1">
-                <a:solidFill>
-                  <a:schemeClr val="bg1"/>
-                </a:solidFill>
-                <a:effectLst/>
-                <a:latin typeface="VNI-Aptima" pitchFamily="2" charset="0"/>
-              </a:rPr>
-              <a:t>theá gian</a:t>
+              <a:rPr lang="en-US" sz="6600" b="1">
+                <a:solidFill>
+                  <a:schemeClr val="bg1"/>
+                </a:solidFill>
+                <a:effectLst/>
+                <a:latin typeface="VNI-Aptima" pitchFamily="2" charset="0"/>
+              </a:rPr>
+              <a:t>xuoáng theá gian</a:t>
             </a:r>
             <a:br>
               <a:rPr lang="en-US" sz="6600" b="1">
@@ -5289,7 +4982,7 @@
         <p:spPr>
           <a:xfrm>
             <a:off x="228600" y="152400"/>
-            <a:ext cx="5638800" cy="646331"/>
+            <a:ext cx="5638800" cy="1200329"/>
           </a:xfrm>
           <a:prstGeom prst="rect">
             <a:avLst/>
@@ -5317,22 +5010,13 @@
               <a:defRPr/>
             </a:pPr>
             <a:r>
-              <a:rPr lang="en-US" sz="3600" b="1" smtClean="0">
+              <a:rPr lang="en-US" sz="3600" b="1" dirty="0">
                 <a:solidFill>
                   <a:srgbClr val="FFFF00"/>
                 </a:solidFill>
-                <a:latin typeface="VNI-Peignot" pitchFamily="2" charset="0"/>
-              </a:rPr>
-              <a:t>CHUÙA JEÂSUS </a:t>
-            </a:r>
-            <a:r>
-              <a:rPr lang="en-US" sz="3600" b="1">
-                <a:solidFill>
-                  <a:srgbClr val="FFFF00"/>
-                </a:solidFill>
-                <a:latin typeface="VNI-Peignot" pitchFamily="2" charset="0"/>
-              </a:rPr>
-              <a:t>LAÂM PHAØM</a:t>
+                <a:latin typeface="VNI-Times" pitchFamily="2" charset="0"/>
+              </a:rPr>
+              <a:t>CHUÙA JEÂSUS LAÂM PHAØM</a:t>
             </a:r>
           </a:p>
         </p:txBody>
@@ -5342,13 +5026,6 @@
   <p:clrMapOvr>
     <a:masterClrMapping/>
   </p:clrMapOvr>
-  <p:timing>
-    <p:tnLst>
-      <p:par>
-        <p:cTn id="1" dur="indefinite" restart="never" nodeType="tmRoot"/>
-      </p:par>
-    </p:tnLst>
-  </p:timing>
 </p:sld>
 </file>
 
@@ -5421,40 +5098,10 @@
                 <a:effectLst/>
                 <a:latin typeface="VNI-Aptima" pitchFamily="2" charset="0"/>
               </a:rPr>
-              <a:t> </a:t>
-            </a:r>
-            <a:r>
-              <a:rPr lang="en-US" sz="6600" b="1" smtClean="0">
-                <a:solidFill>
-                  <a:schemeClr val="bg1"/>
-                </a:solidFill>
-                <a:effectLst/>
-                <a:latin typeface="VNI-Aptima" pitchFamily="2" charset="0"/>
-              </a:rPr>
-              <a:t>Chuùa </a:t>
-            </a:r>
-            <a:r>
-              <a:rPr lang="en-US" sz="6600" b="1">
-                <a:solidFill>
-                  <a:schemeClr val="bg1"/>
-                </a:solidFill>
-                <a:effectLst/>
-                <a:latin typeface="VNI-Aptima" pitchFamily="2" charset="0"/>
-              </a:rPr>
-              <a:t>Ñ</a:t>
-            </a:r>
-            <a:r>
-              <a:rPr lang="en-US" sz="6600" b="1" smtClean="0">
-                <a:solidFill>
-                  <a:schemeClr val="bg1"/>
-                </a:solidFill>
-                <a:effectLst/>
-                <a:latin typeface="VNI-Aptima" pitchFamily="2" charset="0"/>
-              </a:rPr>
-              <a:t>aáng </a:t>
+              <a:t> Chuùa Ñaáng </a:t>
             </a:r>
             <a:br>
-              <a:rPr lang="en-US" sz="6600" b="1" smtClean="0">
+              <a:rPr lang="en-US" sz="6600" b="1">
                 <a:solidFill>
                   <a:schemeClr val="bg1"/>
                 </a:solidFill>
@@ -5463,24 +5110,14 @@
               </a:rPr>
             </a:br>
             <a:r>
-              <a:rPr lang="en-US" sz="6600" b="1" smtClean="0">
-                <a:solidFill>
-                  <a:schemeClr val="bg1"/>
-                </a:solidFill>
-                <a:effectLst/>
-                <a:latin typeface="VNI-Aptima" pitchFamily="2" charset="0"/>
-              </a:rPr>
-              <a:t>toâi </a:t>
-            </a:r>
-            <a:r>
-              <a:rPr lang="en-US" sz="6600" b="1">
-                <a:solidFill>
-                  <a:schemeClr val="bg1"/>
-                </a:solidFill>
-                <a:effectLst/>
-                <a:latin typeface="VNI-Aptima" pitchFamily="2" charset="0"/>
-              </a:rPr>
-              <a:t>yeâu thöông! </a:t>
+              <a:rPr lang="en-US" sz="6600" b="1">
+                <a:solidFill>
+                  <a:schemeClr val="bg1"/>
+                </a:solidFill>
+                <a:effectLst/>
+                <a:latin typeface="VNI-Aptima" pitchFamily="2" charset="0"/>
+              </a:rPr>
+              <a:t>toâi yeâu thöông! </a:t>
             </a:r>
             <a:br>
               <a:rPr lang="en-US" sz="6600" b="1">
@@ -5492,44 +5129,14 @@
               </a:rPr>
             </a:br>
             <a:r>
-              <a:rPr lang="en-US" sz="6600" b="1" smtClean="0">
-                <a:solidFill>
-                  <a:schemeClr val="bg1"/>
-                </a:solidFill>
-                <a:effectLst/>
-                <a:latin typeface="VNI-Aptima" pitchFamily="2" charset="0"/>
-              </a:rPr>
-              <a:t>Chuùa </a:t>
-            </a:r>
-            <a:r>
-              <a:rPr lang="en-US" sz="6600" b="1">
-                <a:solidFill>
-                  <a:schemeClr val="bg1"/>
-                </a:solidFill>
-                <a:effectLst/>
-                <a:latin typeface="VNI-Aptima" pitchFamily="2" charset="0"/>
-              </a:rPr>
-              <a:t>Ñ</a:t>
-            </a:r>
-            <a:r>
-              <a:rPr lang="en-US" sz="6600" b="1" smtClean="0">
-                <a:solidFill>
-                  <a:schemeClr val="bg1"/>
-                </a:solidFill>
-                <a:effectLst/>
-                <a:latin typeface="VNI-Aptima" pitchFamily="2" charset="0"/>
-              </a:rPr>
-              <a:t>aáng </a:t>
-            </a:r>
-            <a:r>
-              <a:rPr lang="en-US" sz="6600" b="1">
-                <a:solidFill>
-                  <a:schemeClr val="bg1"/>
-                </a:solidFill>
-                <a:effectLst/>
-                <a:latin typeface="VNI-Aptima" pitchFamily="2" charset="0"/>
-              </a:rPr>
-              <a:t>toâi</a:t>
+              <a:rPr lang="en-US" sz="6600" b="1">
+                <a:solidFill>
+                  <a:schemeClr val="bg1"/>
+                </a:solidFill>
+                <a:effectLst/>
+                <a:latin typeface="VNI-Aptima" pitchFamily="2" charset="0"/>
+              </a:rPr>
+              <a:t>Chuùa Ñaáng toâi</a:t>
             </a:r>
             <a:br>
               <a:rPr lang="en-US" sz="6600" b="1">
@@ -5562,7 +5169,7 @@
         <p:spPr>
           <a:xfrm>
             <a:off x="228600" y="152400"/>
-            <a:ext cx="5638800" cy="646331"/>
+            <a:ext cx="5638800" cy="1200329"/>
           </a:xfrm>
           <a:prstGeom prst="rect">
             <a:avLst/>
@@ -5590,22 +5197,13 @@
               <a:defRPr/>
             </a:pPr>
             <a:r>
-              <a:rPr lang="en-US" sz="3600" b="1" smtClean="0">
+              <a:rPr lang="en-US" sz="3600" b="1" dirty="0">
                 <a:solidFill>
                   <a:srgbClr val="FFFF00"/>
                 </a:solidFill>
-                <a:latin typeface="VNI-Peignot" pitchFamily="2" charset="0"/>
-              </a:rPr>
-              <a:t>CHUÙA JEÂSUS </a:t>
-            </a:r>
-            <a:r>
-              <a:rPr lang="en-US" sz="3600" b="1">
-                <a:solidFill>
-                  <a:srgbClr val="FFFF00"/>
-                </a:solidFill>
-                <a:latin typeface="VNI-Peignot" pitchFamily="2" charset="0"/>
-              </a:rPr>
-              <a:t>LAÂM PHAØM</a:t>
+                <a:latin typeface="VNI-Times" pitchFamily="2" charset="0"/>
+              </a:rPr>
+              <a:t>CHUÙA JEÂSUS LAÂM PHAØM</a:t>
             </a:r>
           </a:p>
         </p:txBody>
@@ -5620,13 +5218,6 @@
   <p:clrMapOvr>
     <a:masterClrMapping/>
   </p:clrMapOvr>
-  <p:timing>
-    <p:tnLst>
-      <p:par>
-        <p:cTn id="1" dur="indefinite" restart="never" nodeType="tmRoot"/>
-      </p:par>
-    </p:tnLst>
-  </p:timing>
 </p:sld>
 </file>
 
@@ -5760,7 +5351,7 @@
         <p:spPr>
           <a:xfrm>
             <a:off x="228600" y="152400"/>
-            <a:ext cx="5638800" cy="646331"/>
+            <a:ext cx="5638800" cy="1200329"/>
           </a:xfrm>
           <a:prstGeom prst="rect">
             <a:avLst/>
@@ -5788,22 +5379,13 @@
               <a:defRPr/>
             </a:pPr>
             <a:r>
-              <a:rPr lang="en-US" sz="3600" b="1" smtClean="0">
+              <a:rPr lang="en-US" sz="3600" b="1" dirty="0">
                 <a:solidFill>
                   <a:srgbClr val="FFFF00"/>
                 </a:solidFill>
-                <a:latin typeface="VNI-Peignot" pitchFamily="2" charset="0"/>
-              </a:rPr>
-              <a:t>CHUÙA JEÂSUS </a:t>
-            </a:r>
-            <a:r>
-              <a:rPr lang="en-US" sz="3600" b="1">
-                <a:solidFill>
-                  <a:srgbClr val="FFFF00"/>
-                </a:solidFill>
-                <a:latin typeface="VNI-Peignot" pitchFamily="2" charset="0"/>
-              </a:rPr>
-              <a:t>LAÂM PHAØM</a:t>
+                <a:latin typeface="VNI-Times" pitchFamily="2" charset="0"/>
+              </a:rPr>
+              <a:t>CHUÙA JEÂSUS LAÂM PHAØM</a:t>
             </a:r>
           </a:p>
         </p:txBody>
@@ -5818,13 +5400,6 @@
   <p:clrMapOvr>
     <a:masterClrMapping/>
   </p:clrMapOvr>
-  <p:timing>
-    <p:tnLst>
-      <p:par>
-        <p:cTn id="1" dur="indefinite" restart="never" nodeType="tmRoot"/>
-      </p:par>
-    </p:tnLst>
-  </p:timing>
 </p:sld>
 </file>
 
@@ -5958,7 +5533,7 @@
         <p:spPr>
           <a:xfrm>
             <a:off x="228600" y="152400"/>
-            <a:ext cx="5638800" cy="646331"/>
+            <a:ext cx="5638800" cy="1200329"/>
           </a:xfrm>
           <a:prstGeom prst="rect">
             <a:avLst/>
@@ -5986,22 +5561,13 @@
               <a:defRPr/>
             </a:pPr>
             <a:r>
-              <a:rPr lang="en-US" sz="3600" b="1" smtClean="0">
+              <a:rPr lang="en-US" sz="3600" b="1" dirty="0">
                 <a:solidFill>
                   <a:srgbClr val="FFFF00"/>
                 </a:solidFill>
-                <a:latin typeface="VNI-Peignot" pitchFamily="2" charset="0"/>
-              </a:rPr>
-              <a:t>CHUÙA JEÂSUS </a:t>
-            </a:r>
-            <a:r>
-              <a:rPr lang="en-US" sz="3600" b="1">
-                <a:solidFill>
-                  <a:srgbClr val="FFFF00"/>
-                </a:solidFill>
-                <a:latin typeface="VNI-Peignot" pitchFamily="2" charset="0"/>
-              </a:rPr>
-              <a:t>LAÂM PHAØM</a:t>
+                <a:latin typeface="VNI-Times" pitchFamily="2" charset="0"/>
+              </a:rPr>
+              <a:t>CHUÙA JEÂSUS LAÂM PHAØM</a:t>
             </a:r>
           </a:p>
         </p:txBody>
@@ -6016,13 +5582,6 @@
   <p:clrMapOvr>
     <a:masterClrMapping/>
   </p:clrMapOvr>
-  <p:timing>
-    <p:tnLst>
-      <p:par>
-        <p:cTn id="1" dur="indefinite" restart="never" nodeType="tmRoot"/>
-      </p:par>
-    </p:tnLst>
-  </p:timing>
 </p:sld>
 </file>
 
@@ -6137,7 +5696,7 @@
         <p:spPr>
           <a:xfrm>
             <a:off x="228600" y="152400"/>
-            <a:ext cx="5638800" cy="646331"/>
+            <a:ext cx="5638800" cy="1200329"/>
           </a:xfrm>
           <a:prstGeom prst="rect">
             <a:avLst/>
@@ -6165,22 +5724,13 @@
               <a:defRPr/>
             </a:pPr>
             <a:r>
-              <a:rPr lang="en-US" sz="3600" b="1" smtClean="0">
+              <a:rPr lang="en-US" sz="3600" b="1" dirty="0">
                 <a:solidFill>
                   <a:srgbClr val="FFFF00"/>
                 </a:solidFill>
-                <a:latin typeface="VNI-Peignot" pitchFamily="2" charset="0"/>
-              </a:rPr>
-              <a:t>CHUÙA JEÂSUS </a:t>
-            </a:r>
-            <a:r>
-              <a:rPr lang="en-US" sz="3600" b="1">
-                <a:solidFill>
-                  <a:srgbClr val="FFFF00"/>
-                </a:solidFill>
-                <a:latin typeface="VNI-Peignot" pitchFamily="2" charset="0"/>
-              </a:rPr>
-              <a:t>LAÂM PHAØM</a:t>
+                <a:latin typeface="VNI-Times" pitchFamily="2" charset="0"/>
+              </a:rPr>
+              <a:t>CHUÙA JEÂSUS LAÂM PHAØM</a:t>
             </a:r>
           </a:p>
         </p:txBody>
@@ -6195,13 +5745,6 @@
   <p:clrMapOvr>
     <a:masterClrMapping/>
   </p:clrMapOvr>
-  <p:timing>
-    <p:tnLst>
-      <p:par>
-        <p:cTn id="1" dur="indefinite" restart="never" nodeType="tmRoot"/>
-      </p:par>
-    </p:tnLst>
-  </p:timing>
 </p:sld>
 </file>
 
@@ -6284,20 +5827,10 @@
                 <a:effectLst/>
                 <a:latin typeface="VNI-Aptima" pitchFamily="2" charset="0"/>
               </a:rPr>
-              <a:t>haï </a:t>
-            </a:r>
-            <a:r>
-              <a:rPr lang="en-US" sz="6600" b="1" smtClean="0">
-                <a:solidFill>
-                  <a:schemeClr val="bg1"/>
-                </a:solidFill>
-                <a:effectLst/>
-                <a:latin typeface="VNI-Aptima" pitchFamily="2" charset="0"/>
-              </a:rPr>
-              <a:t>traàn, naèm </a:t>
+              <a:t>haï traàn, naèm </a:t>
             </a:r>
             <a:br>
-              <a:rPr lang="en-US" sz="6600" b="1" smtClean="0">
+              <a:rPr lang="en-US" sz="6600" b="1">
                 <a:solidFill>
                   <a:schemeClr val="bg1"/>
                 </a:solidFill>
@@ -6306,37 +5839,17 @@
               </a:rPr>
             </a:br>
             <a:r>
-              <a:rPr lang="en-US" sz="6600" b="1" smtClean="0">
-                <a:solidFill>
-                  <a:schemeClr val="bg1"/>
-                </a:solidFill>
-                <a:effectLst/>
-                <a:latin typeface="VNI-Aptima" pitchFamily="2" charset="0"/>
-              </a:rPr>
-              <a:t>trong maùng </a:t>
-            </a:r>
-            <a:r>
-              <a:rPr lang="en-US" sz="6600" b="1">
-                <a:solidFill>
-                  <a:schemeClr val="bg1"/>
-                </a:solidFill>
-                <a:effectLst/>
-                <a:latin typeface="VNI-Aptima" pitchFamily="2" charset="0"/>
-              </a:rPr>
-              <a:t>coû </a:t>
-            </a:r>
-            <a:r>
-              <a:rPr lang="en-US" sz="6600" b="1" smtClean="0">
-                <a:solidFill>
-                  <a:schemeClr val="bg1"/>
-                </a:solidFill>
-                <a:effectLst/>
-                <a:latin typeface="VNI-Aptima" pitchFamily="2" charset="0"/>
-              </a:rPr>
-              <a:t/>
+              <a:rPr lang="en-US" sz="6600" b="1">
+                <a:solidFill>
+                  <a:schemeClr val="bg1"/>
+                </a:solidFill>
+                <a:effectLst/>
+                <a:latin typeface="VNI-Aptima" pitchFamily="2" charset="0"/>
+              </a:rPr>
+              <a:t>trong maùng coû </a:t>
             </a:r>
             <a:br>
-              <a:rPr lang="en-US" sz="6600" b="1" smtClean="0">
+              <a:rPr lang="en-US" sz="6600" b="1">
                 <a:solidFill>
                   <a:schemeClr val="bg1"/>
                 </a:solidFill>
@@ -6345,24 +5858,14 @@
               </a:rPr>
             </a:br>
             <a:r>
-              <a:rPr lang="en-US" sz="6600" b="1" smtClean="0">
-                <a:solidFill>
-                  <a:schemeClr val="bg1"/>
-                </a:solidFill>
-                <a:effectLst/>
-                <a:latin typeface="VNI-Aptima" pitchFamily="2" charset="0"/>
-              </a:rPr>
-              <a:t>toài </a:t>
-            </a:r>
-            <a:r>
-              <a:rPr lang="en-US" sz="6600" b="1">
-                <a:solidFill>
-                  <a:schemeClr val="bg1"/>
-                </a:solidFill>
-                <a:effectLst/>
-                <a:latin typeface="VNI-Aptima" pitchFamily="2" charset="0"/>
-              </a:rPr>
-              <a:t>taøn? </a:t>
+              <a:rPr lang="en-US" sz="6600" b="1">
+                <a:solidFill>
+                  <a:schemeClr val="bg1"/>
+                </a:solidFill>
+                <a:effectLst/>
+                <a:latin typeface="VNI-Aptima" pitchFamily="2" charset="0"/>
+              </a:rPr>
+              <a:t>toài taøn? </a:t>
             </a:r>
             <a:endParaRPr lang="en-US" sz="6600">
               <a:solidFill>
@@ -6382,7 +5885,7 @@
         <p:spPr>
           <a:xfrm>
             <a:off x="228600" y="152400"/>
-            <a:ext cx="5638800" cy="646331"/>
+            <a:ext cx="5638800" cy="1200329"/>
           </a:xfrm>
           <a:prstGeom prst="rect">
             <a:avLst/>
@@ -6410,22 +5913,13 @@
               <a:defRPr/>
             </a:pPr>
             <a:r>
-              <a:rPr lang="en-US" sz="3600" b="1" smtClean="0">
+              <a:rPr lang="en-US" sz="3600" b="1" dirty="0">
                 <a:solidFill>
                   <a:srgbClr val="FFFF00"/>
                 </a:solidFill>
-                <a:latin typeface="VNI-Peignot" pitchFamily="2" charset="0"/>
-              </a:rPr>
-              <a:t>CHUÙA JEÂSUS </a:t>
-            </a:r>
-            <a:r>
-              <a:rPr lang="en-US" sz="3600" b="1">
-                <a:solidFill>
-                  <a:srgbClr val="FFFF00"/>
-                </a:solidFill>
-                <a:latin typeface="VNI-Peignot" pitchFamily="2" charset="0"/>
-              </a:rPr>
-              <a:t>LAÂM PHAØM</a:t>
+                <a:latin typeface="VNI-Times" pitchFamily="2" charset="0"/>
+              </a:rPr>
+              <a:t>CHUÙA JEÂSUS LAÂM PHAØM</a:t>
             </a:r>
           </a:p>
         </p:txBody>
@@ -6435,13 +5929,6 @@
   <p:clrMapOvr>
     <a:masterClrMapping/>
   </p:clrMapOvr>
-  <p:timing>
-    <p:tnLst>
-      <p:par>
-        <p:cTn id="1" dur="indefinite" restart="never" nodeType="tmRoot"/>
-      </p:par>
-    </p:tnLst>
-  </p:timing>
 </p:sld>
 </file>
 
@@ -6506,18 +5993,8 @@
               </a:rPr>
               <a:t>Khaép nhaân gian </a:t>
             </a:r>
-            <a:r>
-              <a:rPr lang="en-US" sz="6600" b="1" smtClean="0">
-                <a:solidFill>
-                  <a:schemeClr val="bg1"/>
-                </a:solidFill>
-                <a:effectLst/>
-                <a:latin typeface="VNI-Aptima" pitchFamily="2" charset="0"/>
-              </a:rPr>
-              <a:t/>
-            </a:r>
             <a:br>
-              <a:rPr lang="en-US" sz="6600" b="1" smtClean="0">
+              <a:rPr lang="en-US" sz="6600" b="1">
                 <a:solidFill>
                   <a:schemeClr val="bg1"/>
                 </a:solidFill>
@@ -6526,7 +6003,7 @@
               </a:rPr>
             </a:br>
             <a:r>
-              <a:rPr lang="en-US" sz="6600" b="1" smtClean="0">
+              <a:rPr lang="en-US" sz="6600" b="1">
                 <a:solidFill>
                   <a:schemeClr val="bg1"/>
                 </a:solidFill>
@@ -6536,7 +6013,7 @@
               <a:t>cheâ cöôøi, naøo </a:t>
             </a:r>
             <a:br>
-              <a:rPr lang="en-US" sz="6600" b="1" smtClean="0">
+              <a:rPr lang="en-US" sz="6600" b="1">
                 <a:solidFill>
                   <a:schemeClr val="bg1"/>
                 </a:solidFill>
@@ -6545,37 +6022,17 @@
               </a:rPr>
             </a:br>
             <a:r>
-              <a:rPr lang="en-US" sz="6600" b="1" smtClean="0">
-                <a:solidFill>
-                  <a:schemeClr val="bg1"/>
-                </a:solidFill>
-                <a:effectLst/>
-                <a:latin typeface="VNI-Aptima" pitchFamily="2" charset="0"/>
-              </a:rPr>
-              <a:t>ai ñoaùi </a:t>
-            </a:r>
-            <a:r>
-              <a:rPr lang="en-US" sz="6600" b="1" smtClean="0">
-                <a:solidFill>
-                  <a:schemeClr val="bg1"/>
-                </a:solidFill>
-                <a:effectLst/>
-                <a:latin typeface="VNI-Aptima" pitchFamily="2" charset="0"/>
-              </a:rPr>
-              <a:t>thöông </a:t>
-            </a:r>
-            <a:r>
-              <a:rPr lang="en-US" sz="6600" b="1" smtClean="0">
-                <a:solidFill>
-                  <a:schemeClr val="bg1"/>
-                </a:solidFill>
-                <a:effectLst/>
-                <a:latin typeface="VNI-Aptima" pitchFamily="2" charset="0"/>
-              </a:rPr>
-              <a:t/>
+              <a:rPr lang="en-US" sz="6600" b="1">
+                <a:solidFill>
+                  <a:schemeClr val="bg1"/>
+                </a:solidFill>
+                <a:effectLst/>
+                <a:latin typeface="VNI-Aptima" pitchFamily="2" charset="0"/>
+              </a:rPr>
+              <a:t>ai ñoaùi thöông </a:t>
             </a:r>
             <a:br>
-              <a:rPr lang="en-US" sz="6600" b="1" smtClean="0">
+              <a:rPr lang="en-US" sz="6600" b="1">
                 <a:solidFill>
                   <a:schemeClr val="bg1"/>
                 </a:solidFill>
@@ -6584,24 +6041,14 @@
               </a:rPr>
             </a:br>
             <a:r>
-              <a:rPr lang="en-US" sz="6600" b="1" smtClean="0">
-                <a:solidFill>
-                  <a:schemeClr val="bg1"/>
-                </a:solidFill>
-                <a:effectLst/>
-                <a:latin typeface="VNI-Aptima" pitchFamily="2" charset="0"/>
-              </a:rPr>
-              <a:t>Con </a:t>
-            </a:r>
-            <a:r>
-              <a:rPr lang="en-US" sz="6600" b="1">
-                <a:solidFill>
-                  <a:schemeClr val="bg1"/>
-                </a:solidFill>
-                <a:effectLst/>
-                <a:latin typeface="VNI-Aptima" pitchFamily="2" charset="0"/>
-              </a:rPr>
-              <a:t>Ngöôøi!</a:t>
+              <a:rPr lang="en-US" sz="6600" b="1">
+                <a:solidFill>
+                  <a:schemeClr val="bg1"/>
+                </a:solidFill>
+                <a:effectLst/>
+                <a:latin typeface="VNI-Aptima" pitchFamily="2" charset="0"/>
+              </a:rPr>
+              <a:t>Con Ngöôøi!</a:t>
             </a:r>
           </a:p>
         </p:txBody>
@@ -6615,7 +6062,7 @@
         <p:spPr>
           <a:xfrm>
             <a:off x="228600" y="152400"/>
-            <a:ext cx="5638800" cy="646331"/>
+            <a:ext cx="5638800" cy="1200329"/>
           </a:xfrm>
           <a:prstGeom prst="rect">
             <a:avLst/>
@@ -6643,22 +6090,13 @@
               <a:defRPr/>
             </a:pPr>
             <a:r>
-              <a:rPr lang="en-US" sz="3600" b="1" smtClean="0">
+              <a:rPr lang="en-US" sz="3600" b="1" dirty="0">
                 <a:solidFill>
                   <a:srgbClr val="FFFF00"/>
                 </a:solidFill>
-                <a:latin typeface="VNI-Peignot" pitchFamily="2" charset="0"/>
-              </a:rPr>
-              <a:t>CHUÙA JEÂSUS </a:t>
-            </a:r>
-            <a:r>
-              <a:rPr lang="en-US" sz="3600" b="1">
-                <a:solidFill>
-                  <a:srgbClr val="FFFF00"/>
-                </a:solidFill>
-                <a:latin typeface="VNI-Peignot" pitchFamily="2" charset="0"/>
-              </a:rPr>
-              <a:t>LAÂM PHAØM</a:t>
+                <a:latin typeface="VNI-Times" pitchFamily="2" charset="0"/>
+              </a:rPr>
+              <a:t>CHUÙA JEÂSUS LAÂM PHAØM</a:t>
             </a:r>
           </a:p>
         </p:txBody>
@@ -6668,13 +6106,6 @@
   <p:clrMapOvr>
     <a:masterClrMapping/>
   </p:clrMapOvr>
-  <p:timing>
-    <p:tnLst>
-      <p:par>
-        <p:cTn id="1" dur="indefinite" restart="never" nodeType="tmRoot"/>
-      </p:par>
-    </p:tnLst>
-  </p:timing>
 </p:sld>
 </file>
 
@@ -6808,7 +6239,7 @@
         <p:spPr>
           <a:xfrm>
             <a:off x="228600" y="152400"/>
-            <a:ext cx="5638800" cy="646331"/>
+            <a:ext cx="5638800" cy="1200329"/>
           </a:xfrm>
           <a:prstGeom prst="rect">
             <a:avLst/>
@@ -6836,22 +6267,13 @@
               <a:defRPr/>
             </a:pPr>
             <a:r>
-              <a:rPr lang="en-US" sz="3600" b="1" smtClean="0">
+              <a:rPr lang="en-US" sz="3600" b="1" dirty="0">
                 <a:solidFill>
                   <a:srgbClr val="FFFF00"/>
                 </a:solidFill>
-                <a:latin typeface="VNI-Peignot" pitchFamily="2" charset="0"/>
-              </a:rPr>
-              <a:t>CHUÙA JEÂSUS </a:t>
-            </a:r>
-            <a:r>
-              <a:rPr lang="en-US" sz="3600" b="1">
-                <a:solidFill>
-                  <a:srgbClr val="FFFF00"/>
-                </a:solidFill>
-                <a:latin typeface="VNI-Peignot" pitchFamily="2" charset="0"/>
-              </a:rPr>
-              <a:t>LAÂM PHAØM</a:t>
+                <a:latin typeface="VNI-Times" pitchFamily="2" charset="0"/>
+              </a:rPr>
+              <a:t>CHUÙA JEÂSUS LAÂM PHAØM</a:t>
             </a:r>
           </a:p>
         </p:txBody>
@@ -6861,13 +6283,6 @@
   <p:clrMapOvr>
     <a:masterClrMapping/>
   </p:clrMapOvr>
-  <p:timing>
-    <p:tnLst>
-      <p:par>
-        <p:cTn id="1" dur="indefinite" restart="never" nodeType="tmRoot"/>
-      </p:par>
-    </p:tnLst>
-  </p:timing>
 </p:sld>
 </file>
 
@@ -6940,40 +6355,10 @@
                 <a:effectLst/>
                 <a:latin typeface="VNI-Aptima" pitchFamily="2" charset="0"/>
               </a:rPr>
-              <a:t> </a:t>
-            </a:r>
-            <a:r>
-              <a:rPr lang="en-US" sz="6600" b="1" smtClean="0">
-                <a:solidFill>
-                  <a:schemeClr val="bg1"/>
-                </a:solidFill>
-                <a:effectLst/>
-                <a:latin typeface="VNI-Aptima" pitchFamily="2" charset="0"/>
-              </a:rPr>
-              <a:t>Chuùa </a:t>
-            </a:r>
-            <a:r>
-              <a:rPr lang="en-US" sz="6600" b="1">
-                <a:solidFill>
-                  <a:schemeClr val="bg1"/>
-                </a:solidFill>
-                <a:effectLst/>
-                <a:latin typeface="VNI-Aptima" pitchFamily="2" charset="0"/>
-              </a:rPr>
-              <a:t>Ñ</a:t>
-            </a:r>
-            <a:r>
-              <a:rPr lang="en-US" sz="6600" b="1" smtClean="0">
-                <a:solidFill>
-                  <a:schemeClr val="bg1"/>
-                </a:solidFill>
-                <a:effectLst/>
-                <a:latin typeface="VNI-Aptima" pitchFamily="2" charset="0"/>
-              </a:rPr>
-              <a:t>aáng </a:t>
+              <a:t> Chuùa Ñaáng </a:t>
             </a:r>
             <a:br>
-              <a:rPr lang="en-US" sz="6600" b="1" smtClean="0">
+              <a:rPr lang="en-US" sz="6600" b="1">
                 <a:solidFill>
                   <a:schemeClr val="bg1"/>
                 </a:solidFill>
@@ -6982,24 +6367,14 @@
               </a:rPr>
             </a:br>
             <a:r>
-              <a:rPr lang="en-US" sz="6600" b="1" smtClean="0">
-                <a:solidFill>
-                  <a:schemeClr val="bg1"/>
-                </a:solidFill>
-                <a:effectLst/>
-                <a:latin typeface="VNI-Aptima" pitchFamily="2" charset="0"/>
-              </a:rPr>
-              <a:t>toâi </a:t>
-            </a:r>
-            <a:r>
-              <a:rPr lang="en-US" sz="6600" b="1">
-                <a:solidFill>
-                  <a:schemeClr val="bg1"/>
-                </a:solidFill>
-                <a:effectLst/>
-                <a:latin typeface="VNI-Aptima" pitchFamily="2" charset="0"/>
-              </a:rPr>
-              <a:t>yeâu thöông! </a:t>
+              <a:rPr lang="en-US" sz="6600" b="1">
+                <a:solidFill>
+                  <a:schemeClr val="bg1"/>
+                </a:solidFill>
+                <a:effectLst/>
+                <a:latin typeface="VNI-Aptima" pitchFamily="2" charset="0"/>
+              </a:rPr>
+              <a:t>toâi yeâu thöông! </a:t>
             </a:r>
             <a:br>
               <a:rPr lang="en-US" sz="6600" b="1">
@@ -7011,44 +6386,14 @@
               </a:rPr>
             </a:br>
             <a:r>
-              <a:rPr lang="en-US" sz="6600" b="1" smtClean="0">
-                <a:solidFill>
-                  <a:schemeClr val="bg1"/>
-                </a:solidFill>
-                <a:effectLst/>
-                <a:latin typeface="VNI-Aptima" pitchFamily="2" charset="0"/>
-              </a:rPr>
-              <a:t>Chuùa </a:t>
-            </a:r>
-            <a:r>
-              <a:rPr lang="en-US" sz="6600" b="1">
-                <a:solidFill>
-                  <a:schemeClr val="bg1"/>
-                </a:solidFill>
-                <a:effectLst/>
-                <a:latin typeface="VNI-Aptima" pitchFamily="2" charset="0"/>
-              </a:rPr>
-              <a:t>Ñ</a:t>
-            </a:r>
-            <a:r>
-              <a:rPr lang="en-US" sz="6600" b="1" smtClean="0">
-                <a:solidFill>
-                  <a:schemeClr val="bg1"/>
-                </a:solidFill>
-                <a:effectLst/>
-                <a:latin typeface="VNI-Aptima" pitchFamily="2" charset="0"/>
-              </a:rPr>
-              <a:t>aáng </a:t>
-            </a:r>
-            <a:r>
-              <a:rPr lang="en-US" sz="6600" b="1">
-                <a:solidFill>
-                  <a:schemeClr val="bg1"/>
-                </a:solidFill>
-                <a:effectLst/>
-                <a:latin typeface="VNI-Aptima" pitchFamily="2" charset="0"/>
-              </a:rPr>
-              <a:t>toâi</a:t>
+              <a:rPr lang="en-US" sz="6600" b="1">
+                <a:solidFill>
+                  <a:schemeClr val="bg1"/>
+                </a:solidFill>
+                <a:effectLst/>
+                <a:latin typeface="VNI-Aptima" pitchFamily="2" charset="0"/>
+              </a:rPr>
+              <a:t>Chuùa Ñaáng toâi</a:t>
             </a:r>
             <a:br>
               <a:rPr lang="en-US" sz="6600" b="1">
@@ -7081,7 +6426,7 @@
         <p:spPr>
           <a:xfrm>
             <a:off x="228600" y="152400"/>
-            <a:ext cx="5638800" cy="646331"/>
+            <a:ext cx="5638800" cy="1200329"/>
           </a:xfrm>
           <a:prstGeom prst="rect">
             <a:avLst/>
@@ -7109,22 +6454,13 @@
               <a:defRPr/>
             </a:pPr>
             <a:r>
-              <a:rPr lang="en-US" sz="3600" b="1" smtClean="0">
+              <a:rPr lang="en-US" sz="3600" b="1" dirty="0">
                 <a:solidFill>
                   <a:srgbClr val="FFFF00"/>
                 </a:solidFill>
-                <a:latin typeface="VNI-Peignot" pitchFamily="2" charset="0"/>
-              </a:rPr>
-              <a:t>CHUÙA JEÂSUS </a:t>
-            </a:r>
-            <a:r>
-              <a:rPr lang="en-US" sz="3600" b="1">
-                <a:solidFill>
-                  <a:srgbClr val="FFFF00"/>
-                </a:solidFill>
-                <a:latin typeface="VNI-Peignot" pitchFamily="2" charset="0"/>
-              </a:rPr>
-              <a:t>LAÂM PHAØM</a:t>
+                <a:latin typeface="VNI-Times" pitchFamily="2" charset="0"/>
+              </a:rPr>
+              <a:t>CHUÙA JEÂSUS LAÂM PHAØM</a:t>
             </a:r>
           </a:p>
         </p:txBody>
@@ -7134,13 +6470,6 @@
   <p:clrMapOvr>
     <a:masterClrMapping/>
   </p:clrMapOvr>
-  <p:timing>
-    <p:tnLst>
-      <p:par>
-        <p:cTn id="1" dur="indefinite" restart="never" nodeType="tmRoot"/>
-      </p:par>
-    </p:tnLst>
-  </p:timing>
 </p:sld>
 </file>
 
@@ -7274,7 +6603,7 @@
         <p:spPr>
           <a:xfrm>
             <a:off x="228600" y="152400"/>
-            <a:ext cx="5638800" cy="646331"/>
+            <a:ext cx="5638800" cy="1200329"/>
           </a:xfrm>
           <a:prstGeom prst="rect">
             <a:avLst/>
@@ -7302,22 +6631,13 @@
               <a:defRPr/>
             </a:pPr>
             <a:r>
-              <a:rPr lang="en-US" sz="3600" b="1" smtClean="0">
+              <a:rPr lang="en-US" sz="3600" b="1" dirty="0">
                 <a:solidFill>
                   <a:srgbClr val="FFFF00"/>
                 </a:solidFill>
-                <a:latin typeface="VNI-Peignot" pitchFamily="2" charset="0"/>
-              </a:rPr>
-              <a:t>CHUÙA JEÂSUS </a:t>
-            </a:r>
-            <a:r>
-              <a:rPr lang="en-US" sz="3600" b="1">
-                <a:solidFill>
-                  <a:srgbClr val="FFFF00"/>
-                </a:solidFill>
-                <a:latin typeface="VNI-Peignot" pitchFamily="2" charset="0"/>
-              </a:rPr>
-              <a:t>LAÂM PHAØM</a:t>
+                <a:latin typeface="VNI-Times" pitchFamily="2" charset="0"/>
+              </a:rPr>
+              <a:t>CHUÙA JEÂSUS LAÂM PHAØM</a:t>
             </a:r>
           </a:p>
         </p:txBody>
@@ -7327,13 +6647,6 @@
   <p:clrMapOvr>
     <a:masterClrMapping/>
   </p:clrMapOvr>
-  <p:timing>
-    <p:tnLst>
-      <p:par>
-        <p:cTn id="1" dur="indefinite" restart="never" nodeType="tmRoot"/>
-      </p:par>
-    </p:tnLst>
-  </p:timing>
 </p:sld>
 </file>
 
@@ -7467,7 +6780,7 @@
         <p:spPr>
           <a:xfrm>
             <a:off x="228600" y="152400"/>
-            <a:ext cx="5638800" cy="646331"/>
+            <a:ext cx="5638800" cy="1200329"/>
           </a:xfrm>
           <a:prstGeom prst="rect">
             <a:avLst/>
@@ -7495,22 +6808,13 @@
               <a:defRPr/>
             </a:pPr>
             <a:r>
-              <a:rPr lang="en-US" sz="3600" b="1" smtClean="0">
+              <a:rPr lang="en-US" sz="3600" b="1" dirty="0">
                 <a:solidFill>
                   <a:srgbClr val="FFFF00"/>
                 </a:solidFill>
-                <a:latin typeface="VNI-Peignot" pitchFamily="2" charset="0"/>
-              </a:rPr>
-              <a:t>CHUÙA JEÂSUS </a:t>
-            </a:r>
-            <a:r>
-              <a:rPr lang="en-US" sz="3600" b="1">
-                <a:solidFill>
-                  <a:srgbClr val="FFFF00"/>
-                </a:solidFill>
-                <a:latin typeface="VNI-Peignot" pitchFamily="2" charset="0"/>
-              </a:rPr>
-              <a:t>LAÂM PHAØM</a:t>
+                <a:latin typeface="VNI-Times" pitchFamily="2" charset="0"/>
+              </a:rPr>
+              <a:t>CHUÙA JEÂSUS LAÂM PHAØM</a:t>
             </a:r>
           </a:p>
         </p:txBody>
@@ -7520,13 +6824,6 @@
   <p:clrMapOvr>
     <a:masterClrMapping/>
   </p:clrMapOvr>
-  <p:timing>
-    <p:tnLst>
-      <p:par>
-        <p:cTn id="1" dur="indefinite" restart="never" nodeType="tmRoot"/>
-      </p:par>
-    </p:tnLst>
-  </p:timing>
 </p:sld>
 </file>
 
@@ -7641,7 +6938,7 @@
         <p:spPr>
           <a:xfrm>
             <a:off x="228600" y="152400"/>
-            <a:ext cx="5638800" cy="646331"/>
+            <a:ext cx="5638800" cy="1200329"/>
           </a:xfrm>
           <a:prstGeom prst="rect">
             <a:avLst/>
@@ -7669,22 +6966,13 @@
               <a:defRPr/>
             </a:pPr>
             <a:r>
-              <a:rPr lang="en-US" sz="3600" b="1" smtClean="0">
+              <a:rPr lang="en-US" sz="3600" b="1" dirty="0">
                 <a:solidFill>
                   <a:srgbClr val="FFFF00"/>
                 </a:solidFill>
-                <a:latin typeface="VNI-Peignot" pitchFamily="2" charset="0"/>
-              </a:rPr>
-              <a:t>CHUÙA JEÂSUS </a:t>
-            </a:r>
-            <a:r>
-              <a:rPr lang="en-US" sz="3600" b="1">
-                <a:solidFill>
-                  <a:srgbClr val="FFFF00"/>
-                </a:solidFill>
-                <a:latin typeface="VNI-Peignot" pitchFamily="2" charset="0"/>
-              </a:rPr>
-              <a:t>LAÂM PHAØM</a:t>
+                <a:latin typeface="VNI-Times" pitchFamily="2" charset="0"/>
+              </a:rPr>
+              <a:t>CHUÙA JEÂSUS LAÂM PHAØM</a:t>
             </a:r>
           </a:p>
         </p:txBody>
@@ -7694,13 +6982,6 @@
   <p:clrMapOvr>
     <a:masterClrMapping/>
   </p:clrMapOvr>
-  <p:timing>
-    <p:tnLst>
-      <p:par>
-        <p:cTn id="1" dur="indefinite" restart="never" nodeType="tmRoot"/>
-      </p:par>
-    </p:tnLst>
-  </p:timing>
 </p:sld>
 </file>
 
